--- a/ClassMaterials/ProjectPresentations/PresentationGuidelinesAndPlantUMLEclipsePlugin.pptx
+++ b/ClassMaterials/ProjectPresentations/PresentationGuidelinesAndPlantUMLEclipsePlugin.pptx
@@ -5,10 +5,10 @@
     <p:sldMasterId id="2147484539" r:id="rId4"/>
   </p:sldMasterIdLst>
   <p:notesMasterIdLst>
-    <p:notesMasterId r:id="rId20"/>
+    <p:notesMasterId r:id="rId28"/>
   </p:notesMasterIdLst>
   <p:handoutMasterIdLst>
-    <p:handoutMasterId r:id="rId21"/>
+    <p:handoutMasterId r:id="rId29"/>
   </p:handoutMasterIdLst>
   <p:sldIdLst>
     <p:sldId id="314" r:id="rId5"/>
@@ -18,14 +18,22 @@
     <p:sldId id="311" r:id="rId9"/>
     <p:sldId id="312" r:id="rId10"/>
     <p:sldId id="292" r:id="rId11"/>
-    <p:sldId id="309" r:id="rId12"/>
-    <p:sldId id="310" r:id="rId13"/>
-    <p:sldId id="308" r:id="rId14"/>
-    <p:sldId id="313" r:id="rId15"/>
-    <p:sldId id="293" r:id="rId16"/>
-    <p:sldId id="295" r:id="rId17"/>
-    <p:sldId id="296" r:id="rId18"/>
-    <p:sldId id="305" r:id="rId19"/>
+    <p:sldId id="315" r:id="rId12"/>
+    <p:sldId id="309" r:id="rId13"/>
+    <p:sldId id="310" r:id="rId14"/>
+    <p:sldId id="308" r:id="rId15"/>
+    <p:sldId id="316" r:id="rId16"/>
+    <p:sldId id="320" r:id="rId17"/>
+    <p:sldId id="321" r:id="rId18"/>
+    <p:sldId id="319" r:id="rId19"/>
+    <p:sldId id="322" r:id="rId20"/>
+    <p:sldId id="317" r:id="rId21"/>
+    <p:sldId id="318" r:id="rId22"/>
+    <p:sldId id="313" r:id="rId23"/>
+    <p:sldId id="293" r:id="rId24"/>
+    <p:sldId id="295" r:id="rId25"/>
+    <p:sldId id="296" r:id="rId26"/>
+    <p:sldId id="305" r:id="rId27"/>
   </p:sldIdLst>
   <p:sldSz cx="9144000" cy="6858000" type="screen4x3"/>
   <p:notesSz cx="7315200" cy="9601200"/>
@@ -166,9 +174,17 @@
             <p14:sldId id="311"/>
             <p14:sldId id="312"/>
             <p14:sldId id="292"/>
+            <p14:sldId id="315"/>
             <p14:sldId id="309"/>
             <p14:sldId id="310"/>
             <p14:sldId id="308"/>
+            <p14:sldId id="316"/>
+            <p14:sldId id="320"/>
+            <p14:sldId id="321"/>
+            <p14:sldId id="319"/>
+            <p14:sldId id="322"/>
+            <p14:sldId id="317"/>
+            <p14:sldId id="318"/>
           </p14:sldIdLst>
         </p14:section>
         <p14:section name="Eclipse Plugin" id="{CF2FCD51-46CB-4B21-B350-AC776FBEDB6E}">
@@ -544,7 +560,7 @@
               <a:pPr>
                 <a:defRPr/>
               </a:pPr>
-              <a:t>5/4/2025</a:t>
+              <a:t>6/5/2025</a:t>
             </a:fld>
             <a:endParaRPr lang="en-US"/>
           </a:p>
@@ -660,6 +676,92 @@
   </p:cSld>
   <p:clrMap bg1="lt1" tx1="dk1" bg2="lt2" tx2="dk2" accent1="accent1" accent2="accent2" accent3="accent3" accent4="accent4" accent5="accent5" accent6="accent6" hlink="hlink" folHlink="folHlink"/>
 </p:handoutMaster>
+</file>
+
+<file path=ppt/ink/ink1.xml><?xml version="1.0" encoding="utf-8"?>
+<inkml:ink xmlns:inkml="http://www.w3.org/2003/InkML">
+  <inkml:definitions>
+    <inkml:context xml:id="ctx0">
+      <inkml:inkSource xml:id="inkSrc0">
+        <inkml:traceFormat>
+          <inkml:channel name="X" type="integer" min="-2.14748E9" max="2.14748E9" units="cm"/>
+          <inkml:channel name="Y" type="integer" min="-2.14748E9" max="2.14748E9" units="cm"/>
+          <inkml:channel name="F" type="integer" max="32767" units="dev"/>
+        </inkml:traceFormat>
+        <inkml:channelProperties>
+          <inkml:channelProperty channel="X" name="resolution" value="1000" units="1/cm"/>
+          <inkml:channelProperty channel="Y" name="resolution" value="1000" units="1/cm"/>
+          <inkml:channelProperty channel="F" name="resolution" value="0" units="1/dev"/>
+        </inkml:channelProperties>
+      </inkml:inkSource>
+      <inkml:timestamp xml:id="ts0" timeString="2025-06-05T14:25:25.719"/>
+    </inkml:context>
+    <inkml:brush xml:id="br0">
+      <inkml:brushProperty name="width" value="0.1" units="cm"/>
+      <inkml:brushProperty name="height" value="0.1" units="cm"/>
+      <inkml:brushProperty name="color" value="#E71224"/>
+    </inkml:brush>
+  </inkml:definitions>
+  <inkml:trace contextRef="#ctx0" brushRef="#br0">51 1879 24575,'-1'-1'0,"-1"1"0,1 0 0,0 0 0,0-1 0,-1 1 0,1-1 0,0 1 0,0-1 0,-1 1 0,1-1 0,0 0 0,0 0 0,0 1 0,0-1 0,0 0 0,0 0 0,0 0 0,0 0 0,1 0 0,-1 0 0,0-1 0,0 1 0,1 0 0,-1 0 0,1 0 0,-1-2 0,-9-37 0,9 34 0,-7-61 0,3-1 0,7-127 0,30-55 0,-25 208 0,2-3 0,3 0 0,1 0 0,2 1 0,38-77 0,108-157 0,-131 229 0,8-28 0,-29 56 0,1 1 0,25-38 0,141-189 0,-160 226 0,0 0 0,36-35 0,-89 82 0,-1-1 0,-1-3 0,-81 35 0,85-45 0,-1-1 0,-63 11 0,82-19 0,-42 13 0,57-15 0,-1-1 0,1 1 0,0 0 0,0 0 0,-1 1 0,1-1 0,0 0 0,0 1 0,0-1 0,0 1 0,1 0 0,-1-1 0,0 1 0,1 0 0,-1 0 0,1 0 0,-1 0 0,1 1 0,0-1 0,-1 4 0,1-5 0,1 0 0,0-1 0,0 1 0,0 0 0,0-1 0,0 1 0,0 0 0,0-1 0,0 1 0,0 0 0,0-1 0,1 1 0,-1 0 0,0-1 0,0 1 0,1-1 0,-1 1 0,0 0 0,1-1 0,-1 1 0,0-1 0,1 1 0,-1-1 0,1 1 0,-1-1 0,1 1 0,-1-1 0,1 0 0,0 1 0,24 3 0,27-12 0,-32 1 0,0 1 0,0-2 0,-1-1 0,0 0 0,25-18 0,81-67 0,-21 13 0,-100 79 0,5-5 0,0 1 0,0 1 0,0-1 0,1 2 0,13-6 0,-20 9 0,0 0 0,0 1 0,0-1 0,0 1 0,0 0 0,0 0 0,0 0 0,0 0 0,0 0 0,1 1 0,-1-1 0,0 1 0,0 0 0,0 0 0,-1 0 0,1 0 0,0 1 0,0-1 0,0 1 0,-1 0 0,1-1 0,-1 1 0,4 3 0,9 12 15,-1 0 0,0 1 0,-1 0 0,-1 1 0,0 1 0,-2 0 0,13 31 0,45 155-1500,-48-136-5341</inkml:trace>
+</inkml:ink>
+</file>
+
+<file path=ppt/ink/ink2.xml><?xml version="1.0" encoding="utf-8"?>
+<inkml:ink xmlns:inkml="http://www.w3.org/2003/InkML">
+  <inkml:definitions>
+    <inkml:context xml:id="ctx0">
+      <inkml:inkSource xml:id="inkSrc0">
+        <inkml:traceFormat>
+          <inkml:channel name="X" type="integer" min="-2.14748E9" max="2.14748E9" units="cm"/>
+          <inkml:channel name="Y" type="integer" min="-2.14748E9" max="2.14748E9" units="cm"/>
+        </inkml:traceFormat>
+        <inkml:channelProperties>
+          <inkml:channelProperty channel="X" name="resolution" value="1000" units="1/cm"/>
+          <inkml:channelProperty channel="Y" name="resolution" value="1000" units="1/cm"/>
+        </inkml:channelProperties>
+      </inkml:inkSource>
+      <inkml:timestamp xml:id="ts0" timeString="2025-05-19T14:56:47.452"/>
+    </inkml:context>
+    <inkml:brush xml:id="br0">
+      <inkml:brushProperty name="width" value="0.3" units="cm"/>
+      <inkml:brushProperty name="height" value="0.6" units="cm"/>
+      <inkml:brushProperty name="color" value="#FFFC00"/>
+      <inkml:brushProperty name="tip" value="rectangle"/>
+      <inkml:brushProperty name="rasterOp" value="maskPen"/>
+      <inkml:brushProperty name="ignorePressure" value="1"/>
+    </inkml:brush>
+  </inkml:definitions>
+  <inkml:trace contextRef="#ctx0" brushRef="#br0">13003 211,'0'-1,"0"0,0 0,0 0,-1 0,1 1,0-1,-1 0,1 0,-1 0,1 0,-1 0,0 1,1-1,-1 0,0 1,1-1,-1 0,0 1,0-1,0 1,1-1,-1 1,0-1,0 1,0 0,-2-1,-28-6,25 6,-73-7,0 4,-95 6,59 0,-3584 1,1907-5,792 2,790-17,29 0,-93 16,-13 0,197-3,-103-19,84 5,-2 4,-135 1,-1238 16,897-3,519-4,-1-3,-80-18,72 11,-94-6,-352 18,262 5,-471-4,699 3,1 2,-40 8,55-9,-17 4</inkml:trace>
+</inkml:ink>
+</file>
+
+<file path=ppt/ink/ink3.xml><?xml version="1.0" encoding="utf-8"?>
+<inkml:ink xmlns:inkml="http://www.w3.org/2003/InkML">
+  <inkml:definitions>
+    <inkml:context xml:id="ctx0">
+      <inkml:inkSource xml:id="inkSrc0">
+        <inkml:traceFormat>
+          <inkml:channel name="X" type="integer" min="-2.14748E9" max="2.14748E9" units="cm"/>
+          <inkml:channel name="Y" type="integer" min="-2.14748E9" max="2.14748E9" units="cm"/>
+        </inkml:traceFormat>
+        <inkml:channelProperties>
+          <inkml:channelProperty channel="X" name="resolution" value="1000" units="1/cm"/>
+          <inkml:channelProperty channel="Y" name="resolution" value="1000" units="1/cm"/>
+        </inkml:channelProperties>
+      </inkml:inkSource>
+      <inkml:timestamp xml:id="ts0" timeString="2025-05-19T14:56:55.259"/>
+    </inkml:context>
+    <inkml:brush xml:id="br0">
+      <inkml:brushProperty name="width" value="0.3" units="cm"/>
+      <inkml:brushProperty name="height" value="0.6" units="cm"/>
+      <inkml:brushProperty name="color" value="#FFFC00"/>
+      <inkml:brushProperty name="tip" value="rectangle"/>
+      <inkml:brushProperty name="rasterOp" value="maskPen"/>
+      <inkml:brushProperty name="ignorePressure" value="1"/>
+    </inkml:brush>
+  </inkml:definitions>
+  <inkml:trace contextRef="#ctx0" brushRef="#br0">13254 1,'-307'17,"60"-2,-1011-8,698-10,-10289 3,10817 0</inkml:trace>
+</inkml:ink>
 </file>
 
 <file path=ppt/notesMasters/notesMaster1.xml><?xml version="1.0" encoding="utf-8"?>
@@ -779,7 +881,7 @@
               <a:pPr>
                 <a:defRPr/>
               </a:pPr>
-              <a:t>5/4/2025</a:t>
+              <a:t>6/5/2025</a:t>
             </a:fld>
             <a:endParaRPr lang="en-US"/>
           </a:p>
@@ -1600,7 +1702,7 @@
             <a:fld id="{5D150887-88A3-49D2-A4D8-539F84EF639B}" type="slidenum">
               <a:rPr lang="en-US" smtClean="0"/>
               <a:pPr/>
-              <a:t>11</a:t>
+              <a:t>19</a:t>
             </a:fld>
             <a:endParaRPr lang="en-US"/>
           </a:p>
@@ -1804,7 +1906,7 @@
               <a:pPr>
                 <a:defRPr/>
               </a:pPr>
-              <a:t>Sunday, May 4, 2025</a:t>
+              <a:t>Thursday, June 5, 2025</a:t>
             </a:fld>
             <a:endParaRPr lang="en-US" dirty="0"/>
           </a:p>
@@ -1987,7 +2089,7 @@
               <a:pPr>
                 <a:defRPr/>
               </a:pPr>
-              <a:t>Sunday, May 4, 2025</a:t>
+              <a:t>Thursday, June 5, 2025</a:t>
             </a:fld>
             <a:endParaRPr lang="en-US" dirty="0"/>
           </a:p>
@@ -2180,7 +2282,7 @@
               <a:pPr>
                 <a:defRPr/>
               </a:pPr>
-              <a:t>Sunday, May 4, 2025</a:t>
+              <a:t>Thursday, June 5, 2025</a:t>
             </a:fld>
             <a:endParaRPr lang="en-US" dirty="0"/>
           </a:p>
@@ -2345,7 +2447,7 @@
     </p:spTree>
     <p:extLst>
       <p:ext uri="{BB962C8B-B14F-4D97-AF65-F5344CB8AC3E}">
-        <p14:creationId xmlns:p14="http://schemas.microsoft.com/office/powerpoint/2010/main" val="2496826363"/>
+        <p14:creationId xmlns:p14="http://schemas.microsoft.com/office/powerpoint/2010/main" val="1394411824"/>
       </p:ext>
     </p:extLst>
   </p:cSld>
@@ -2468,7 +2570,7 @@
               <a:pPr>
                 <a:defRPr/>
               </a:pPr>
-              <a:t>Sunday, May 4, 2025</a:t>
+              <a:t>Thursday, June 5, 2025</a:t>
             </a:fld>
             <a:endParaRPr lang="en-US" dirty="0"/>
           </a:p>
@@ -2728,7 +2830,7 @@
               <a:pPr>
                 <a:defRPr/>
               </a:pPr>
-              <a:t>Sunday, May 4, 2025</a:t>
+              <a:t>Thursday, June 5, 2025</a:t>
             </a:fld>
             <a:endParaRPr lang="en-US"/>
           </a:p>
@@ -3028,7 +3130,7 @@
               <a:pPr>
                 <a:defRPr/>
               </a:pPr>
-              <a:t>Sunday, May 4, 2025</a:t>
+              <a:t>Thursday, June 5, 2025</a:t>
             </a:fld>
             <a:endParaRPr lang="en-US"/>
           </a:p>
@@ -3462,7 +3564,7 @@
               <a:pPr>
                 <a:defRPr/>
               </a:pPr>
-              <a:t>Sunday, May 4, 2025</a:t>
+              <a:t>Thursday, June 5, 2025</a:t>
             </a:fld>
             <a:endParaRPr lang="en-US"/>
           </a:p>
@@ -3594,7 +3696,7 @@
               <a:pPr>
                 <a:defRPr/>
               </a:pPr>
-              <a:t>Sunday, May 4, 2025</a:t>
+              <a:t>Thursday, June 5, 2025</a:t>
             </a:fld>
             <a:endParaRPr lang="en-US"/>
           </a:p>
@@ -3704,7 +3806,7 @@
               <a:pPr>
                 <a:defRPr/>
               </a:pPr>
-              <a:t>Sunday, May 4, 2025</a:t>
+              <a:t>Thursday, June 5, 2025</a:t>
             </a:fld>
             <a:endParaRPr lang="en-US" dirty="0"/>
           </a:p>
@@ -3994,7 +4096,7 @@
               <a:pPr>
                 <a:defRPr/>
               </a:pPr>
-              <a:t>Sunday, May 4, 2025</a:t>
+              <a:t>Thursday, June 5, 2025</a:t>
             </a:fld>
             <a:endParaRPr lang="en-US"/>
           </a:p>
@@ -4261,7 +4363,7 @@
               <a:pPr>
                 <a:defRPr/>
               </a:pPr>
-              <a:t>Sunday, May 4, 2025</a:t>
+              <a:t>Thursday, June 5, 2025</a:t>
             </a:fld>
             <a:endParaRPr lang="en-US"/>
           </a:p>
@@ -4487,7 +4589,7 @@
               <a:pPr>
                 <a:defRPr/>
               </a:pPr>
-              <a:t>Sunday, May 4, 2025</a:t>
+              <a:t>Thursday, June 5, 2025</a:t>
             </a:fld>
             <a:endParaRPr lang="en-US" dirty="0"/>
           </a:p>
@@ -4951,13 +5053,8 @@
           <a:p>
             <a:r>
               <a:rPr lang="en-US" dirty="0"/>
-              <a:t>These were added here for convenience for students looking for </a:t>
-            </a:r>
-            <a:r>
-              <a:rPr lang="en-US"/>
-              <a:t>presentation guidelines</a:t>
-            </a:r>
-            <a:endParaRPr lang="en-US" dirty="0"/>
+              <a:t>These were added here for convenience for students looking for presentation guidelines</a:t>
+            </a:r>
           </a:p>
         </p:txBody>
       </p:sp>
@@ -4975,6 +5072,243 @@
 </file>
 
 <file path=ppt/slides/slide10.xml><?xml version="1.0" encoding="utf-8"?>
+<p:sld xmlns:a="http://schemas.openxmlformats.org/drawingml/2006/main" xmlns:r="http://schemas.openxmlformats.org/officeDocument/2006/relationships" xmlns:p="http://schemas.openxmlformats.org/presentationml/2006/main">
+  <p:cSld>
+    <p:spTree>
+      <p:nvGrpSpPr>
+        <p:cNvPr id="1" name=""/>
+        <p:cNvGrpSpPr/>
+        <p:nvPr/>
+      </p:nvGrpSpPr>
+      <p:grpSpPr>
+        <a:xfrm>
+          <a:off x="0" y="0"/>
+          <a:ext cx="0" cy="0"/>
+          <a:chOff x="0" y="0"/>
+          <a:chExt cx="0" cy="0"/>
+        </a:xfrm>
+      </p:grpSpPr>
+      <p:pic>
+        <p:nvPicPr>
+          <p:cNvPr id="5" name="Picture 4">
+            <a:extLst>
+              <a:ext uri="{FF2B5EF4-FFF2-40B4-BE49-F238E27FC236}">
+                <a16:creationId xmlns:a16="http://schemas.microsoft.com/office/drawing/2014/main" id="{CA1FB5CE-713A-46BF-597E-904BBD6DB8DD}"/>
+              </a:ext>
+            </a:extLst>
+          </p:cNvPr>
+          <p:cNvPicPr>
+            <a:picLocks noChangeAspect="1"/>
+          </p:cNvPicPr>
+          <p:nvPr/>
+        </p:nvPicPr>
+        <p:blipFill>
+          <a:blip r:embed="rId2"/>
+          <a:stretch>
+            <a:fillRect/>
+          </a:stretch>
+        </p:blipFill>
+        <p:spPr>
+          <a:xfrm>
+            <a:off x="332783" y="4114800"/>
+            <a:ext cx="8259328" cy="2067213"/>
+          </a:xfrm>
+          <a:prstGeom prst="rect">
+            <a:avLst/>
+          </a:prstGeom>
+          <a:ln>
+            <a:solidFill>
+              <a:schemeClr val="tx1"/>
+            </a:solidFill>
+          </a:ln>
+        </p:spPr>
+      </p:pic>
+      <p:sp>
+        <p:nvSpPr>
+          <p:cNvPr id="6" name="TextBox 5">
+            <a:extLst>
+              <a:ext uri="{FF2B5EF4-FFF2-40B4-BE49-F238E27FC236}">
+                <a16:creationId xmlns:a16="http://schemas.microsoft.com/office/drawing/2014/main" id="{DB3B16B1-F4C9-7A1A-C96B-CC5DB07DB6B1}"/>
+              </a:ext>
+            </a:extLst>
+          </p:cNvPr>
+          <p:cNvSpPr txBox="1"/>
+          <p:nvPr/>
+        </p:nvSpPr>
+        <p:spPr>
+          <a:xfrm>
+            <a:off x="607017" y="152400"/>
+            <a:ext cx="7546383" cy="646331"/>
+          </a:xfrm>
+          <a:prstGeom prst="rect">
+            <a:avLst/>
+          </a:prstGeom>
+          <a:noFill/>
+        </p:spPr>
+        <p:txBody>
+          <a:bodyPr wrap="square" rtlCol="0">
+            <a:spAutoFit/>
+          </a:bodyPr>
+          <a:lstStyle/>
+          <a:p>
+            <a:r>
+              <a:rPr lang="en-US" sz="3600" dirty="0"/>
+              <a:t>Rubric for Scoring Presentations</a:t>
+            </a:r>
+          </a:p>
+        </p:txBody>
+      </p:sp>
+      <p:pic>
+        <p:nvPicPr>
+          <p:cNvPr id="8" name="Picture 7">
+            <a:extLst>
+              <a:ext uri="{FF2B5EF4-FFF2-40B4-BE49-F238E27FC236}">
+                <a16:creationId xmlns:a16="http://schemas.microsoft.com/office/drawing/2014/main" id="{1D5004C5-75AF-A030-5115-67EA33B5EF1A}"/>
+              </a:ext>
+            </a:extLst>
+          </p:cNvPr>
+          <p:cNvPicPr>
+            <a:picLocks noChangeAspect="1"/>
+          </p:cNvPicPr>
+          <p:nvPr/>
+        </p:nvPicPr>
+        <p:blipFill>
+          <a:blip r:embed="rId3"/>
+          <a:stretch>
+            <a:fillRect/>
+          </a:stretch>
+        </p:blipFill>
+        <p:spPr>
+          <a:xfrm>
+            <a:off x="332783" y="1524000"/>
+            <a:ext cx="7230484" cy="2219635"/>
+          </a:xfrm>
+          <a:prstGeom prst="rect">
+            <a:avLst/>
+          </a:prstGeom>
+          <a:ln>
+            <a:solidFill>
+              <a:schemeClr val="tx1"/>
+            </a:solidFill>
+          </a:ln>
+        </p:spPr>
+      </p:pic>
+      <mc:AlternateContent xmlns:mc="http://schemas.openxmlformats.org/markup-compatibility/2006" xmlns:p14="http://schemas.microsoft.com/office/powerpoint/2010/main">
+        <mc:Choice Requires="p14">
+          <p:contentPart p14:bwMode="auto" r:id="rId4">
+            <p14:nvContentPartPr>
+              <p14:cNvPr id="2" name="Ink 1">
+                <a:extLst>
+                  <a:ext uri="{FF2B5EF4-FFF2-40B4-BE49-F238E27FC236}">
+                    <a16:creationId xmlns:a16="http://schemas.microsoft.com/office/drawing/2014/main" id="{F1005306-429A-3711-102E-66ADD884BD1B}"/>
+                  </a:ext>
+                </a:extLst>
+              </p14:cNvPr>
+              <p14:cNvContentPartPr/>
+              <p14:nvPr/>
+            </p14:nvContentPartPr>
+            <p14:xfrm>
+              <a:off x="391601" y="1627294"/>
+              <a:ext cx="4681440" cy="76320"/>
+            </p14:xfrm>
+          </p:contentPart>
+        </mc:Choice>
+        <mc:Fallback xmlns="">
+          <p:pic>
+            <p:nvPicPr>
+              <p:cNvPr id="2" name="Ink 1">
+                <a:extLst>
+                  <a:ext uri="{FF2B5EF4-FFF2-40B4-BE49-F238E27FC236}">
+                    <a16:creationId xmlns:a16="http://schemas.microsoft.com/office/drawing/2014/main" id="{F1005306-429A-3711-102E-66ADD884BD1B}"/>
+                  </a:ext>
+                </a:extLst>
+              </p:cNvPr>
+              <p:cNvPicPr/>
+              <p:nvPr/>
+            </p:nvPicPr>
+            <p:blipFill>
+              <a:blip r:embed="rId5"/>
+              <a:stretch>
+                <a:fillRect/>
+              </a:stretch>
+            </p:blipFill>
+            <p:spPr>
+              <a:xfrm>
+                <a:off x="337601" y="1519294"/>
+                <a:ext cx="4789080" cy="291960"/>
+              </a:xfrm>
+              <a:prstGeom prst="rect">
+                <a:avLst/>
+              </a:prstGeom>
+            </p:spPr>
+          </p:pic>
+        </mc:Fallback>
+      </mc:AlternateContent>
+      <mc:AlternateContent xmlns:mc="http://schemas.openxmlformats.org/markup-compatibility/2006" xmlns:p14="http://schemas.microsoft.com/office/powerpoint/2010/main">
+        <mc:Choice Requires="p14">
+          <p:contentPart p14:bwMode="auto" r:id="rId6">
+            <p14:nvContentPartPr>
+              <p14:cNvPr id="4" name="Ink 3">
+                <a:extLst>
+                  <a:ext uri="{FF2B5EF4-FFF2-40B4-BE49-F238E27FC236}">
+                    <a16:creationId xmlns:a16="http://schemas.microsoft.com/office/drawing/2014/main" id="{F00C26B0-5809-7CF1-5A90-7B438F28FBF1}"/>
+                  </a:ext>
+                </a:extLst>
+              </p14:cNvPr>
+              <p14:cNvContentPartPr/>
+              <p14:nvPr/>
+            </p14:nvContentPartPr>
+            <p14:xfrm>
+              <a:off x="514361" y="4295614"/>
+              <a:ext cx="4771800" cy="14400"/>
+            </p14:xfrm>
+          </p:contentPart>
+        </mc:Choice>
+        <mc:Fallback xmlns="">
+          <p:pic>
+            <p:nvPicPr>
+              <p:cNvPr id="4" name="Ink 3">
+                <a:extLst>
+                  <a:ext uri="{FF2B5EF4-FFF2-40B4-BE49-F238E27FC236}">
+                    <a16:creationId xmlns:a16="http://schemas.microsoft.com/office/drawing/2014/main" id="{F00C26B0-5809-7CF1-5A90-7B438F28FBF1}"/>
+                  </a:ext>
+                </a:extLst>
+              </p:cNvPr>
+              <p:cNvPicPr/>
+              <p:nvPr/>
+            </p:nvPicPr>
+            <p:blipFill>
+              <a:blip r:embed="rId7"/>
+              <a:stretch>
+                <a:fillRect/>
+              </a:stretch>
+            </p:blipFill>
+            <p:spPr>
+              <a:xfrm>
+                <a:off x="460721" y="4187974"/>
+                <a:ext cx="4879440" cy="230040"/>
+              </a:xfrm>
+              <a:prstGeom prst="rect">
+                <a:avLst/>
+              </a:prstGeom>
+            </p:spPr>
+          </p:pic>
+        </mc:Fallback>
+      </mc:AlternateContent>
+    </p:spTree>
+    <p:extLst>
+      <p:ext uri="{BB962C8B-B14F-4D97-AF65-F5344CB8AC3E}">
+        <p14:creationId xmlns:p14="http://schemas.microsoft.com/office/powerpoint/2010/main" val="4044456901"/>
+      </p:ext>
+    </p:extLst>
+  </p:cSld>
+  <p:clrMapOvr>
+    <a:masterClrMapping/>
+  </p:clrMapOvr>
+</p:sld>
+</file>
+
+<file path=ppt/slides/slide11.xml><?xml version="1.0" encoding="utf-8"?>
 <p:sld xmlns:a="http://schemas.openxmlformats.org/drawingml/2006/main" xmlns:r="http://schemas.openxmlformats.org/officeDocument/2006/relationships" xmlns:p="http://schemas.openxmlformats.org/presentationml/2006/main">
   <p:cSld>
     <p:spTree>
@@ -5170,7 +5504,1434 @@
 </p:sld>
 </file>
 
-<file path=ppt/slides/slide11.xml><?xml version="1.0" encoding="utf-8"?>
+<file path=ppt/slides/slide12.xml><?xml version="1.0" encoding="utf-8"?>
+<p:sld xmlns:a="http://schemas.openxmlformats.org/drawingml/2006/main" xmlns:r="http://schemas.openxmlformats.org/officeDocument/2006/relationships" xmlns:p="http://schemas.openxmlformats.org/presentationml/2006/main">
+  <p:cSld>
+    <p:spTree>
+      <p:nvGrpSpPr>
+        <p:cNvPr id="1" name=""/>
+        <p:cNvGrpSpPr/>
+        <p:nvPr/>
+      </p:nvGrpSpPr>
+      <p:grpSpPr>
+        <a:xfrm>
+          <a:off x="0" y="0"/>
+          <a:ext cx="0" cy="0"/>
+          <a:chOff x="0" y="0"/>
+          <a:chExt cx="0" cy="0"/>
+        </a:xfrm>
+      </p:grpSpPr>
+      <p:pic>
+        <p:nvPicPr>
+          <p:cNvPr id="3" name="Picture 2">
+            <a:extLst>
+              <a:ext uri="{FF2B5EF4-FFF2-40B4-BE49-F238E27FC236}">
+                <a16:creationId xmlns:a16="http://schemas.microsoft.com/office/drawing/2014/main" id="{3A216E78-375A-9508-40DD-3FE4A041E78D}"/>
+              </a:ext>
+            </a:extLst>
+          </p:cNvPr>
+          <p:cNvPicPr>
+            <a:picLocks noChangeAspect="1"/>
+          </p:cNvPicPr>
+          <p:nvPr/>
+        </p:nvPicPr>
+        <p:blipFill>
+          <a:blip r:embed="rId2"/>
+          <a:stretch>
+            <a:fillRect/>
+          </a:stretch>
+        </p:blipFill>
+        <p:spPr>
+          <a:xfrm>
+            <a:off x="2062620" y="767146"/>
+            <a:ext cx="4724400" cy="931572"/>
+          </a:xfrm>
+          <a:prstGeom prst="rect">
+            <a:avLst/>
+          </a:prstGeom>
+        </p:spPr>
+      </p:pic>
+      <p:pic>
+        <p:nvPicPr>
+          <p:cNvPr id="5" name="Picture 4">
+            <a:extLst>
+              <a:ext uri="{FF2B5EF4-FFF2-40B4-BE49-F238E27FC236}">
+                <a16:creationId xmlns:a16="http://schemas.microsoft.com/office/drawing/2014/main" id="{8C6D77F2-AF58-A0C9-D9FC-C5FF012C635E}"/>
+              </a:ext>
+            </a:extLst>
+          </p:cNvPr>
+          <p:cNvPicPr>
+            <a:picLocks noChangeAspect="1"/>
+          </p:cNvPicPr>
+          <p:nvPr/>
+        </p:nvPicPr>
+        <p:blipFill>
+          <a:blip r:embed="rId3"/>
+          <a:stretch>
+            <a:fillRect/>
+          </a:stretch>
+        </p:blipFill>
+        <p:spPr>
+          <a:xfrm>
+            <a:off x="1524000" y="1536587"/>
+            <a:ext cx="6019800" cy="5249266"/>
+          </a:xfrm>
+          <a:prstGeom prst="rect">
+            <a:avLst/>
+          </a:prstGeom>
+        </p:spPr>
+      </p:pic>
+      <p:sp>
+        <p:nvSpPr>
+          <p:cNvPr id="7" name="TextBox 6">
+            <a:extLst>
+              <a:ext uri="{FF2B5EF4-FFF2-40B4-BE49-F238E27FC236}">
+                <a16:creationId xmlns:a16="http://schemas.microsoft.com/office/drawing/2014/main" id="{81480413-AB5F-B96B-DFA4-98D86392BEE3}"/>
+              </a:ext>
+            </a:extLst>
+          </p:cNvPr>
+          <p:cNvSpPr txBox="1"/>
+          <p:nvPr/>
+        </p:nvSpPr>
+        <p:spPr>
+          <a:xfrm>
+            <a:off x="304800" y="234968"/>
+            <a:ext cx="8458200" cy="769441"/>
+          </a:xfrm>
+          <a:prstGeom prst="rect">
+            <a:avLst/>
+          </a:prstGeom>
+          <a:noFill/>
+        </p:spPr>
+        <p:txBody>
+          <a:bodyPr wrap="square">
+            <a:spAutoFit/>
+          </a:bodyPr>
+          <a:lstStyle/>
+          <a:p>
+            <a:pPr algn="ctr"/>
+            <a:r>
+              <a:rPr lang="en-US" sz="4400" dirty="0"/>
+              <a:t>Submit Slides on </a:t>
+            </a:r>
+            <a:r>
+              <a:rPr lang="en-US" sz="4400" dirty="0" err="1"/>
+              <a:t>GradeScope</a:t>
+            </a:r>
+            <a:endParaRPr lang="en-US" sz="4400" dirty="0"/>
+          </a:p>
+        </p:txBody>
+      </p:sp>
+    </p:spTree>
+    <p:extLst>
+      <p:ext uri="{BB962C8B-B14F-4D97-AF65-F5344CB8AC3E}">
+        <p14:creationId xmlns:p14="http://schemas.microsoft.com/office/powerpoint/2010/main" val="2222900897"/>
+      </p:ext>
+    </p:extLst>
+  </p:cSld>
+  <p:clrMapOvr>
+    <a:masterClrMapping/>
+  </p:clrMapOvr>
+</p:sld>
+</file>
+
+<file path=ppt/slides/slide13.xml><?xml version="1.0" encoding="utf-8"?>
+<p:sld xmlns:a="http://schemas.openxmlformats.org/drawingml/2006/main" xmlns:r="http://schemas.openxmlformats.org/officeDocument/2006/relationships" xmlns:p="http://schemas.openxmlformats.org/presentationml/2006/main">
+  <p:cSld>
+    <p:spTree>
+      <p:nvGrpSpPr>
+        <p:cNvPr id="1" name=""/>
+        <p:cNvGrpSpPr/>
+        <p:nvPr/>
+      </p:nvGrpSpPr>
+      <p:grpSpPr>
+        <a:xfrm>
+          <a:off x="0" y="0"/>
+          <a:ext cx="0" cy="0"/>
+          <a:chOff x="0" y="0"/>
+          <a:chExt cx="0" cy="0"/>
+        </a:xfrm>
+      </p:grpSpPr>
+      <p:sp>
+        <p:nvSpPr>
+          <p:cNvPr id="2" name="TextBox 1">
+            <a:extLst>
+              <a:ext uri="{FF2B5EF4-FFF2-40B4-BE49-F238E27FC236}">
+                <a16:creationId xmlns:a16="http://schemas.microsoft.com/office/drawing/2014/main" id="{00F35B03-2A13-E20E-0695-646F5463E753}"/>
+              </a:ext>
+            </a:extLst>
+          </p:cNvPr>
+          <p:cNvSpPr txBox="1"/>
+          <p:nvPr/>
+        </p:nvSpPr>
+        <p:spPr>
+          <a:xfrm>
+            <a:off x="457200" y="990545"/>
+            <a:ext cx="8077200" cy="3416320"/>
+          </a:xfrm>
+          <a:prstGeom prst="rect">
+            <a:avLst/>
+          </a:prstGeom>
+          <a:noFill/>
+        </p:spPr>
+        <p:txBody>
+          <a:bodyPr wrap="square" rtlCol="0">
+            <a:spAutoFit/>
+          </a:bodyPr>
+          <a:lstStyle/>
+          <a:p>
+            <a:r>
+              <a:rPr lang="en-US" sz="7200" dirty="0"/>
+              <a:t>Fun Only</a:t>
+            </a:r>
+          </a:p>
+          <a:p>
+            <a:r>
+              <a:rPr lang="en-US" sz="7200" i="1" dirty="0"/>
+              <a:t>as time and interest allows</a:t>
+            </a:r>
+          </a:p>
+        </p:txBody>
+      </p:sp>
+    </p:spTree>
+    <p:extLst>
+      <p:ext uri="{BB962C8B-B14F-4D97-AF65-F5344CB8AC3E}">
+        <p14:creationId xmlns:p14="http://schemas.microsoft.com/office/powerpoint/2010/main" val="2433576996"/>
+      </p:ext>
+    </p:extLst>
+  </p:cSld>
+  <p:clrMapOvr>
+    <a:masterClrMapping/>
+  </p:clrMapOvr>
+</p:sld>
+</file>
+
+<file path=ppt/slides/slide14.xml><?xml version="1.0" encoding="utf-8"?>
+<p:sld xmlns:a="http://schemas.openxmlformats.org/drawingml/2006/main" xmlns:r="http://schemas.openxmlformats.org/officeDocument/2006/relationships" xmlns:p="http://schemas.openxmlformats.org/presentationml/2006/main">
+  <p:cSld>
+    <p:spTree>
+      <p:nvGrpSpPr>
+        <p:cNvPr id="1" name=""/>
+        <p:cNvGrpSpPr/>
+        <p:nvPr/>
+      </p:nvGrpSpPr>
+      <p:grpSpPr>
+        <a:xfrm>
+          <a:off x="0" y="0"/>
+          <a:ext cx="0" cy="0"/>
+          <a:chOff x="0" y="0"/>
+          <a:chExt cx="0" cy="0"/>
+        </a:xfrm>
+      </p:grpSpPr>
+      <p:sp>
+        <p:nvSpPr>
+          <p:cNvPr id="2" name="Title 1">
+            <a:extLst>
+              <a:ext uri="{FF2B5EF4-FFF2-40B4-BE49-F238E27FC236}">
+                <a16:creationId xmlns:a16="http://schemas.microsoft.com/office/drawing/2014/main" id="{02D20119-86D1-EE38-5434-124396D588AE}"/>
+              </a:ext>
+            </a:extLst>
+          </p:cNvPr>
+          <p:cNvSpPr>
+            <a:spLocks noGrp="1"/>
+          </p:cNvSpPr>
+          <p:nvPr>
+            <p:ph type="title"/>
+          </p:nvPr>
+        </p:nvSpPr>
+        <p:spPr>
+          <a:xfrm>
+            <a:off x="417399" y="643467"/>
+            <a:ext cx="8408193" cy="744836"/>
+          </a:xfrm>
+        </p:spPr>
+        <p:txBody>
+          <a:bodyPr vert="horz" lIns="91440" tIns="45720" rIns="91440" bIns="45720" rtlCol="0" anchor="ctr">
+            <a:normAutofit/>
+          </a:bodyPr>
+          <a:lstStyle/>
+          <a:p>
+            <a:pPr>
+              <a:lnSpc>
+                <a:spcPct val="90000"/>
+              </a:lnSpc>
+            </a:pPr>
+            <a:r>
+              <a:rPr lang="en-US" sz="2800" kern="1200" dirty="0">
+                <a:latin typeface="+mj-lt"/>
+                <a:ea typeface="+mj-ea"/>
+                <a:cs typeface="+mj-cs"/>
+              </a:rPr>
+              <a:t>Just for fun.. for making it through the end of term</a:t>
+            </a:r>
+          </a:p>
+        </p:txBody>
+      </p:sp>
+      <p:pic>
+        <p:nvPicPr>
+          <p:cNvPr id="4" name="Online Media 3" title="NANOWAR OF STEEL - HelloWorld.java (Source Code Video) | Napalm Records">
+            <a:hlinkClick r:id="" action="ppaction://media"/>
+            <a:extLst>
+              <a:ext uri="{FF2B5EF4-FFF2-40B4-BE49-F238E27FC236}">
+                <a16:creationId xmlns:a16="http://schemas.microsoft.com/office/drawing/2014/main" id="{FE1631CD-96ED-33B2-1F55-7D4CB112E914}"/>
+              </a:ext>
+            </a:extLst>
+          </p:cNvPr>
+          <p:cNvPicPr>
+            <a:picLocks noGrp="1" noRot="1" noChangeAspect="1"/>
+          </p:cNvPicPr>
+          <p:nvPr>
+            <p:ph idx="1"/>
+            <a:videoFile r:link="rId1"/>
+          </p:nvPr>
+        </p:nvPicPr>
+        <p:blipFill>
+          <a:blip r:embed="rId3"/>
+          <a:stretch>
+            <a:fillRect/>
+          </a:stretch>
+        </p:blipFill>
+        <p:spPr>
+          <a:xfrm>
+            <a:off x="683328" y="1675227"/>
+            <a:ext cx="7777343" cy="4394199"/>
+          </a:xfrm>
+          <a:prstGeom prst="rect">
+            <a:avLst/>
+          </a:prstGeom>
+        </p:spPr>
+      </p:pic>
+    </p:spTree>
+    <p:extLst>
+      <p:ext uri="{BB962C8B-B14F-4D97-AF65-F5344CB8AC3E}">
+        <p14:creationId xmlns:p14="http://schemas.microsoft.com/office/powerpoint/2010/main" val="2914153423"/>
+      </p:ext>
+    </p:extLst>
+  </p:cSld>
+  <p:clrMapOvr>
+    <a:masterClrMapping/>
+  </p:clrMapOvr>
+  <p:timing>
+    <p:tnLst>
+      <p:par>
+        <p:cTn id="1" dur="indefinite" restart="never" nodeType="tmRoot">
+          <p:childTnLst>
+            <p:seq concurrent="1" nextAc="seek">
+              <p:cTn id="2" dur="indefinite" nodeType="mainSeq">
+                <p:childTnLst>
+                  <p:par>
+                    <p:cTn id="3" fill="hold">
+                      <p:stCondLst>
+                        <p:cond delay="indefinite"/>
+                      </p:stCondLst>
+                      <p:childTnLst>
+                        <p:par>
+                          <p:cTn id="4" fill="hold">
+                            <p:stCondLst>
+                              <p:cond delay="0"/>
+                            </p:stCondLst>
+                            <p:childTnLst>
+                              <p:par>
+                                <p:cTn id="5" presetID="1" presetClass="mediacall" presetSubtype="0" fill="hold" nodeType="clickEffect">
+                                  <p:stCondLst>
+                                    <p:cond delay="0"/>
+                                  </p:stCondLst>
+                                  <p:childTnLst>
+                                    <p:cmd type="call" cmd="playFrom(0.0)">
+                                      <p:cBhvr>
+                                        <p:cTn id="6" dur="1" fill="hold"/>
+                                        <p:tgtEl>
+                                          <p:spTgt spid="4"/>
+                                        </p:tgtEl>
+                                      </p:cBhvr>
+                                    </p:cmd>
+                                  </p:childTnLst>
+                                </p:cTn>
+                              </p:par>
+                            </p:childTnLst>
+                          </p:cTn>
+                        </p:par>
+                      </p:childTnLst>
+                    </p:cTn>
+                  </p:par>
+                </p:childTnLst>
+              </p:cTn>
+              <p:prevCondLst>
+                <p:cond evt="onPrev" delay="0">
+                  <p:tgtEl>
+                    <p:sldTgt/>
+                  </p:tgtEl>
+                </p:cond>
+              </p:prevCondLst>
+              <p:nextCondLst>
+                <p:cond evt="onNext" delay="0">
+                  <p:tgtEl>
+                    <p:sldTgt/>
+                  </p:tgtEl>
+                </p:cond>
+              </p:nextCondLst>
+            </p:seq>
+            <p:video>
+              <p:cMediaNode vol="80000">
+                <p:cTn id="7" fill="hold" display="0">
+                  <p:stCondLst>
+                    <p:cond delay="indefinite"/>
+                  </p:stCondLst>
+                </p:cTn>
+                <p:tgtEl>
+                  <p:spTgt spid="4"/>
+                </p:tgtEl>
+              </p:cMediaNode>
+            </p:video>
+            <p:seq concurrent="1" nextAc="seek">
+              <p:cTn id="8" restart="whenNotActive" fill="hold" evtFilter="cancelBubble" nodeType="interactiveSeq">
+                <p:stCondLst>
+                  <p:cond evt="onClick" delay="0">
+                    <p:tgtEl>
+                      <p:spTgt spid="4"/>
+                    </p:tgtEl>
+                  </p:cond>
+                </p:stCondLst>
+                <p:endSync evt="end" delay="0">
+                  <p:rtn val="all"/>
+                </p:endSync>
+                <p:childTnLst>
+                  <p:par>
+                    <p:cTn id="9" fill="hold">
+                      <p:stCondLst>
+                        <p:cond delay="0"/>
+                      </p:stCondLst>
+                      <p:childTnLst>
+                        <p:par>
+                          <p:cTn id="10" fill="hold">
+                            <p:stCondLst>
+                              <p:cond delay="0"/>
+                            </p:stCondLst>
+                            <p:childTnLst>
+                              <p:par>
+                                <p:cTn id="11" presetID="2" presetClass="mediacall" presetSubtype="0" fill="hold" nodeType="clickEffect">
+                                  <p:stCondLst>
+                                    <p:cond delay="0"/>
+                                  </p:stCondLst>
+                                  <p:childTnLst>
+                                    <p:cmd type="call" cmd="togglePause">
+                                      <p:cBhvr>
+                                        <p:cTn id="12" dur="1" fill="hold"/>
+                                        <p:tgtEl>
+                                          <p:spTgt spid="4"/>
+                                        </p:tgtEl>
+                                      </p:cBhvr>
+                                    </p:cmd>
+                                  </p:childTnLst>
+                                </p:cTn>
+                              </p:par>
+                            </p:childTnLst>
+                          </p:cTn>
+                        </p:par>
+                      </p:childTnLst>
+                    </p:cTn>
+                  </p:par>
+                </p:childTnLst>
+              </p:cTn>
+              <p:nextCondLst>
+                <p:cond evt="onClick" delay="0">
+                  <p:tgtEl>
+                    <p:spTgt spid="4"/>
+                  </p:tgtEl>
+                </p:cond>
+              </p:nextCondLst>
+            </p:seq>
+          </p:childTnLst>
+        </p:cTn>
+      </p:par>
+    </p:tnLst>
+  </p:timing>
+</p:sld>
+</file>
+
+<file path=ppt/slides/slide15.xml><?xml version="1.0" encoding="utf-8"?>
+<p:sld xmlns:a="http://schemas.openxmlformats.org/drawingml/2006/main" xmlns:r="http://schemas.openxmlformats.org/officeDocument/2006/relationships" xmlns:p="http://schemas.openxmlformats.org/presentationml/2006/main">
+  <p:cSld>
+    <p:spTree>
+      <p:nvGrpSpPr>
+        <p:cNvPr id="1" name=""/>
+        <p:cNvGrpSpPr/>
+        <p:nvPr/>
+      </p:nvGrpSpPr>
+      <p:grpSpPr>
+        <a:xfrm>
+          <a:off x="0" y="0"/>
+          <a:ext cx="0" cy="0"/>
+          <a:chOff x="0" y="0"/>
+          <a:chExt cx="0" cy="0"/>
+        </a:xfrm>
+      </p:grpSpPr>
+      <p:sp>
+        <p:nvSpPr>
+          <p:cNvPr id="2" name="Title 1">
+            <a:extLst>
+              <a:ext uri="{FF2B5EF4-FFF2-40B4-BE49-F238E27FC236}">
+                <a16:creationId xmlns:a16="http://schemas.microsoft.com/office/drawing/2014/main" id="{EE491AFF-09DD-1A07-7AF4-1EE521459990}"/>
+              </a:ext>
+            </a:extLst>
+          </p:cNvPr>
+          <p:cNvSpPr>
+            <a:spLocks noGrp="1"/>
+          </p:cNvSpPr>
+          <p:nvPr>
+            <p:ph type="title"/>
+          </p:nvPr>
+        </p:nvSpPr>
+        <p:spPr/>
+        <p:txBody>
+          <a:bodyPr>
+            <a:normAutofit fontScale="90000"/>
+          </a:bodyPr>
+          <a:lstStyle/>
+          <a:p>
+            <a:pPr algn="l"/>
+            <a:r>
+              <a:rPr lang="en-US" b="1" i="0" dirty="0">
+                <a:solidFill>
+                  <a:srgbClr val="0F0F0F"/>
+                </a:solidFill>
+                <a:effectLst/>
+                <a:latin typeface="Roboto" panose="02000000000000000000" pitchFamily="2" charset="0"/>
+              </a:rPr>
+              <a:t>15 Sorting Algorithms in 6 Minutes</a:t>
+            </a:r>
+          </a:p>
+        </p:txBody>
+      </p:sp>
+      <p:pic>
+        <p:nvPicPr>
+          <p:cNvPr id="4" name="Online Media 3" title="15 Sorting Algorithms in 6 Minutes">
+            <a:hlinkClick r:id="" action="ppaction://media"/>
+            <a:extLst>
+              <a:ext uri="{FF2B5EF4-FFF2-40B4-BE49-F238E27FC236}">
+                <a16:creationId xmlns:a16="http://schemas.microsoft.com/office/drawing/2014/main" id="{0B4C526D-29CF-6EB1-455F-4FC68C99B839}"/>
+              </a:ext>
+            </a:extLst>
+          </p:cNvPr>
+          <p:cNvPicPr>
+            <a:picLocks noGrp="1" noRot="1" noChangeAspect="1"/>
+          </p:cNvPicPr>
+          <p:nvPr>
+            <p:ph idx="1"/>
+            <a:videoFile r:link="rId1"/>
+          </p:nvPr>
+        </p:nvPicPr>
+        <p:blipFill>
+          <a:blip r:embed="rId3"/>
+          <a:stretch>
+            <a:fillRect/>
+          </a:stretch>
+        </p:blipFill>
+        <p:spPr>
+          <a:xfrm>
+            <a:off x="563563" y="1600200"/>
+            <a:ext cx="8016875" cy="4525963"/>
+          </a:xfrm>
+          <a:prstGeom prst="rect">
+            <a:avLst/>
+          </a:prstGeom>
+        </p:spPr>
+      </p:pic>
+    </p:spTree>
+    <p:extLst>
+      <p:ext uri="{BB962C8B-B14F-4D97-AF65-F5344CB8AC3E}">
+        <p14:creationId xmlns:p14="http://schemas.microsoft.com/office/powerpoint/2010/main" val="1482212353"/>
+      </p:ext>
+    </p:extLst>
+  </p:cSld>
+  <p:clrMapOvr>
+    <a:masterClrMapping/>
+  </p:clrMapOvr>
+  <p:timing>
+    <p:tnLst>
+      <p:par>
+        <p:cTn id="1" dur="indefinite" restart="never" nodeType="tmRoot">
+          <p:childTnLst>
+            <p:seq concurrent="1" nextAc="seek">
+              <p:cTn id="2" dur="indefinite" nodeType="mainSeq">
+                <p:childTnLst>
+                  <p:par>
+                    <p:cTn id="3" fill="hold">
+                      <p:stCondLst>
+                        <p:cond delay="indefinite"/>
+                      </p:stCondLst>
+                      <p:childTnLst>
+                        <p:par>
+                          <p:cTn id="4" fill="hold">
+                            <p:stCondLst>
+                              <p:cond delay="0"/>
+                            </p:stCondLst>
+                            <p:childTnLst>
+                              <p:par>
+                                <p:cTn id="5" presetID="1" presetClass="mediacall" presetSubtype="0" fill="hold" nodeType="clickEffect">
+                                  <p:stCondLst>
+                                    <p:cond delay="0"/>
+                                  </p:stCondLst>
+                                  <p:childTnLst>
+                                    <p:cmd type="call" cmd="playFrom(0.0)">
+                                      <p:cBhvr>
+                                        <p:cTn id="6" dur="1" fill="hold"/>
+                                        <p:tgtEl>
+                                          <p:spTgt spid="4"/>
+                                        </p:tgtEl>
+                                      </p:cBhvr>
+                                    </p:cmd>
+                                  </p:childTnLst>
+                                </p:cTn>
+                              </p:par>
+                            </p:childTnLst>
+                          </p:cTn>
+                        </p:par>
+                      </p:childTnLst>
+                    </p:cTn>
+                  </p:par>
+                </p:childTnLst>
+              </p:cTn>
+              <p:prevCondLst>
+                <p:cond evt="onPrev" delay="0">
+                  <p:tgtEl>
+                    <p:sldTgt/>
+                  </p:tgtEl>
+                </p:cond>
+              </p:prevCondLst>
+              <p:nextCondLst>
+                <p:cond evt="onNext" delay="0">
+                  <p:tgtEl>
+                    <p:sldTgt/>
+                  </p:tgtEl>
+                </p:cond>
+              </p:nextCondLst>
+            </p:seq>
+            <p:video>
+              <p:cMediaNode vol="80000">
+                <p:cTn id="7" fill="hold" display="0">
+                  <p:stCondLst>
+                    <p:cond delay="indefinite"/>
+                  </p:stCondLst>
+                </p:cTn>
+                <p:tgtEl>
+                  <p:spTgt spid="4"/>
+                </p:tgtEl>
+              </p:cMediaNode>
+            </p:video>
+            <p:seq concurrent="1" nextAc="seek">
+              <p:cTn id="8" restart="whenNotActive" fill="hold" evtFilter="cancelBubble" nodeType="interactiveSeq">
+                <p:stCondLst>
+                  <p:cond evt="onClick" delay="0">
+                    <p:tgtEl>
+                      <p:spTgt spid="4"/>
+                    </p:tgtEl>
+                  </p:cond>
+                </p:stCondLst>
+                <p:endSync evt="end" delay="0">
+                  <p:rtn val="all"/>
+                </p:endSync>
+                <p:childTnLst>
+                  <p:par>
+                    <p:cTn id="9" fill="hold">
+                      <p:stCondLst>
+                        <p:cond delay="0"/>
+                      </p:stCondLst>
+                      <p:childTnLst>
+                        <p:par>
+                          <p:cTn id="10" fill="hold">
+                            <p:stCondLst>
+                              <p:cond delay="0"/>
+                            </p:stCondLst>
+                            <p:childTnLst>
+                              <p:par>
+                                <p:cTn id="11" presetID="2" presetClass="mediacall" presetSubtype="0" fill="hold" nodeType="clickEffect">
+                                  <p:stCondLst>
+                                    <p:cond delay="0"/>
+                                  </p:stCondLst>
+                                  <p:childTnLst>
+                                    <p:cmd type="call" cmd="togglePause">
+                                      <p:cBhvr>
+                                        <p:cTn id="12" dur="1" fill="hold"/>
+                                        <p:tgtEl>
+                                          <p:spTgt spid="4"/>
+                                        </p:tgtEl>
+                                      </p:cBhvr>
+                                    </p:cmd>
+                                  </p:childTnLst>
+                                </p:cTn>
+                              </p:par>
+                            </p:childTnLst>
+                          </p:cTn>
+                        </p:par>
+                      </p:childTnLst>
+                    </p:cTn>
+                  </p:par>
+                </p:childTnLst>
+              </p:cTn>
+              <p:nextCondLst>
+                <p:cond evt="onClick" delay="0">
+                  <p:tgtEl>
+                    <p:spTgt spid="4"/>
+                  </p:tgtEl>
+                </p:cond>
+              </p:nextCondLst>
+            </p:seq>
+          </p:childTnLst>
+        </p:cTn>
+      </p:par>
+    </p:tnLst>
+  </p:timing>
+</p:sld>
+</file>
+
+<file path=ppt/slides/slide16.xml><?xml version="1.0" encoding="utf-8"?>
+<p:sld xmlns:a="http://schemas.openxmlformats.org/drawingml/2006/main" xmlns:r="http://schemas.openxmlformats.org/officeDocument/2006/relationships" xmlns:p="http://schemas.openxmlformats.org/presentationml/2006/main">
+  <p:cSld>
+    <p:spTree>
+      <p:nvGrpSpPr>
+        <p:cNvPr id="1" name=""/>
+        <p:cNvGrpSpPr/>
+        <p:nvPr/>
+      </p:nvGrpSpPr>
+      <p:grpSpPr>
+        <a:xfrm>
+          <a:off x="0" y="0"/>
+          <a:ext cx="0" cy="0"/>
+          <a:chOff x="0" y="0"/>
+          <a:chExt cx="0" cy="0"/>
+        </a:xfrm>
+      </p:grpSpPr>
+      <p:sp>
+        <p:nvSpPr>
+          <p:cNvPr id="2" name="Title 1">
+            <a:extLst>
+              <a:ext uri="{FF2B5EF4-FFF2-40B4-BE49-F238E27FC236}">
+                <a16:creationId xmlns:a16="http://schemas.microsoft.com/office/drawing/2014/main" id="{CBAE2A76-D9E7-BB77-16A1-1D2B59ED7139}"/>
+              </a:ext>
+            </a:extLst>
+          </p:cNvPr>
+          <p:cNvSpPr>
+            <a:spLocks noGrp="1"/>
+          </p:cNvSpPr>
+          <p:nvPr>
+            <p:ph type="title"/>
+          </p:nvPr>
+        </p:nvSpPr>
+        <p:spPr/>
+        <p:txBody>
+          <a:bodyPr>
+            <a:normAutofit fontScale="90000"/>
+          </a:bodyPr>
+          <a:lstStyle/>
+          <a:p>
+            <a:r>
+              <a:rPr lang="en-US" b="1" i="0" dirty="0">
+                <a:solidFill>
+                  <a:srgbClr val="0F0F0F"/>
+                </a:solidFill>
+                <a:effectLst/>
+                <a:latin typeface="Roboto" panose="02000000000000000000" pitchFamily="2" charset="0"/>
+              </a:rPr>
+              <a:t>Select-sort with Gypsy folk dance</a:t>
+            </a:r>
+            <a:endParaRPr lang="en-US" dirty="0"/>
+          </a:p>
+        </p:txBody>
+      </p:sp>
+      <p:pic>
+        <p:nvPicPr>
+          <p:cNvPr id="4" name="Online Media 3" title="Select-sort with Gypsy folk dance">
+            <a:hlinkClick r:id="" action="ppaction://media"/>
+            <a:extLst>
+              <a:ext uri="{FF2B5EF4-FFF2-40B4-BE49-F238E27FC236}">
+                <a16:creationId xmlns:a16="http://schemas.microsoft.com/office/drawing/2014/main" id="{F5AF5D53-C8F0-9177-222F-1D7D31E92010}"/>
+              </a:ext>
+            </a:extLst>
+          </p:cNvPr>
+          <p:cNvPicPr>
+            <a:picLocks noGrp="1" noRot="1" noChangeAspect="1"/>
+          </p:cNvPicPr>
+          <p:nvPr>
+            <p:ph idx="1"/>
+            <a:videoFile r:link="rId1"/>
+          </p:nvPr>
+        </p:nvPicPr>
+        <p:blipFill>
+          <a:blip r:embed="rId3"/>
+          <a:stretch>
+            <a:fillRect/>
+          </a:stretch>
+        </p:blipFill>
+        <p:spPr>
+          <a:xfrm>
+            <a:off x="563563" y="1600200"/>
+            <a:ext cx="8016875" cy="4525963"/>
+          </a:xfrm>
+          <a:prstGeom prst="rect">
+            <a:avLst/>
+          </a:prstGeom>
+        </p:spPr>
+      </p:pic>
+    </p:spTree>
+    <p:extLst>
+      <p:ext uri="{BB962C8B-B14F-4D97-AF65-F5344CB8AC3E}">
+        <p14:creationId xmlns:p14="http://schemas.microsoft.com/office/powerpoint/2010/main" val="3001200429"/>
+      </p:ext>
+    </p:extLst>
+  </p:cSld>
+  <p:clrMapOvr>
+    <a:masterClrMapping/>
+  </p:clrMapOvr>
+  <p:timing>
+    <p:tnLst>
+      <p:par>
+        <p:cTn id="1" dur="indefinite" restart="never" nodeType="tmRoot">
+          <p:childTnLst>
+            <p:seq concurrent="1" nextAc="seek">
+              <p:cTn id="2" dur="indefinite" nodeType="mainSeq">
+                <p:childTnLst>
+                  <p:par>
+                    <p:cTn id="3" fill="hold">
+                      <p:stCondLst>
+                        <p:cond delay="indefinite"/>
+                      </p:stCondLst>
+                      <p:childTnLst>
+                        <p:par>
+                          <p:cTn id="4" fill="hold">
+                            <p:stCondLst>
+                              <p:cond delay="0"/>
+                            </p:stCondLst>
+                            <p:childTnLst>
+                              <p:par>
+                                <p:cTn id="5" presetID="1" presetClass="mediacall" presetSubtype="0" fill="hold" nodeType="clickEffect">
+                                  <p:stCondLst>
+                                    <p:cond delay="0"/>
+                                  </p:stCondLst>
+                                  <p:childTnLst>
+                                    <p:cmd type="call" cmd="playFrom(0.0)">
+                                      <p:cBhvr>
+                                        <p:cTn id="6" dur="1" fill="hold"/>
+                                        <p:tgtEl>
+                                          <p:spTgt spid="4"/>
+                                        </p:tgtEl>
+                                      </p:cBhvr>
+                                    </p:cmd>
+                                  </p:childTnLst>
+                                </p:cTn>
+                              </p:par>
+                            </p:childTnLst>
+                          </p:cTn>
+                        </p:par>
+                      </p:childTnLst>
+                    </p:cTn>
+                  </p:par>
+                </p:childTnLst>
+              </p:cTn>
+              <p:prevCondLst>
+                <p:cond evt="onPrev" delay="0">
+                  <p:tgtEl>
+                    <p:sldTgt/>
+                  </p:tgtEl>
+                </p:cond>
+              </p:prevCondLst>
+              <p:nextCondLst>
+                <p:cond evt="onNext" delay="0">
+                  <p:tgtEl>
+                    <p:sldTgt/>
+                  </p:tgtEl>
+                </p:cond>
+              </p:nextCondLst>
+            </p:seq>
+            <p:video>
+              <p:cMediaNode vol="80000">
+                <p:cTn id="7" fill="hold" display="0">
+                  <p:stCondLst>
+                    <p:cond delay="indefinite"/>
+                  </p:stCondLst>
+                </p:cTn>
+                <p:tgtEl>
+                  <p:spTgt spid="4"/>
+                </p:tgtEl>
+              </p:cMediaNode>
+            </p:video>
+            <p:seq concurrent="1" nextAc="seek">
+              <p:cTn id="8" restart="whenNotActive" fill="hold" evtFilter="cancelBubble" nodeType="interactiveSeq">
+                <p:stCondLst>
+                  <p:cond evt="onClick" delay="0">
+                    <p:tgtEl>
+                      <p:spTgt spid="4"/>
+                    </p:tgtEl>
+                  </p:cond>
+                </p:stCondLst>
+                <p:endSync evt="end" delay="0">
+                  <p:rtn val="all"/>
+                </p:endSync>
+                <p:childTnLst>
+                  <p:par>
+                    <p:cTn id="9" fill="hold">
+                      <p:stCondLst>
+                        <p:cond delay="0"/>
+                      </p:stCondLst>
+                      <p:childTnLst>
+                        <p:par>
+                          <p:cTn id="10" fill="hold">
+                            <p:stCondLst>
+                              <p:cond delay="0"/>
+                            </p:stCondLst>
+                            <p:childTnLst>
+                              <p:par>
+                                <p:cTn id="11" presetID="2" presetClass="mediacall" presetSubtype="0" fill="hold" nodeType="clickEffect">
+                                  <p:stCondLst>
+                                    <p:cond delay="0"/>
+                                  </p:stCondLst>
+                                  <p:childTnLst>
+                                    <p:cmd type="call" cmd="togglePause">
+                                      <p:cBhvr>
+                                        <p:cTn id="12" dur="1" fill="hold"/>
+                                        <p:tgtEl>
+                                          <p:spTgt spid="4"/>
+                                        </p:tgtEl>
+                                      </p:cBhvr>
+                                    </p:cmd>
+                                  </p:childTnLst>
+                                </p:cTn>
+                              </p:par>
+                            </p:childTnLst>
+                          </p:cTn>
+                        </p:par>
+                      </p:childTnLst>
+                    </p:cTn>
+                  </p:par>
+                </p:childTnLst>
+              </p:cTn>
+              <p:nextCondLst>
+                <p:cond evt="onClick" delay="0">
+                  <p:tgtEl>
+                    <p:spTgt spid="4"/>
+                  </p:tgtEl>
+                </p:cond>
+              </p:nextCondLst>
+            </p:seq>
+          </p:childTnLst>
+        </p:cTn>
+      </p:par>
+    </p:tnLst>
+  </p:timing>
+</p:sld>
+</file>
+
+<file path=ppt/slides/slide17.xml><?xml version="1.0" encoding="utf-8"?>
+<p:sld xmlns:a="http://schemas.openxmlformats.org/drawingml/2006/main" xmlns:r="http://schemas.openxmlformats.org/officeDocument/2006/relationships" xmlns:p="http://schemas.openxmlformats.org/presentationml/2006/main">
+  <p:cSld>
+    <p:spTree>
+      <p:nvGrpSpPr>
+        <p:cNvPr id="1" name=""/>
+        <p:cNvGrpSpPr/>
+        <p:nvPr/>
+      </p:nvGrpSpPr>
+      <p:grpSpPr>
+        <a:xfrm>
+          <a:off x="0" y="0"/>
+          <a:ext cx="0" cy="0"/>
+          <a:chOff x="0" y="0"/>
+          <a:chExt cx="0" cy="0"/>
+        </a:xfrm>
+      </p:grpSpPr>
+      <p:sp>
+        <p:nvSpPr>
+          <p:cNvPr id="2" name="Title 1">
+            <a:extLst>
+              <a:ext uri="{FF2B5EF4-FFF2-40B4-BE49-F238E27FC236}">
+                <a16:creationId xmlns:a16="http://schemas.microsoft.com/office/drawing/2014/main" id="{18896E59-1D08-4220-7A8A-A1B9680F22AF}"/>
+              </a:ext>
+            </a:extLst>
+          </p:cNvPr>
+          <p:cNvSpPr>
+            <a:spLocks noGrp="1"/>
+          </p:cNvSpPr>
+          <p:nvPr>
+            <p:ph type="title"/>
+          </p:nvPr>
+        </p:nvSpPr>
+        <p:spPr/>
+        <p:txBody>
+          <a:bodyPr>
+            <a:noAutofit/>
+          </a:bodyPr>
+          <a:lstStyle/>
+          <a:p>
+            <a:r>
+              <a:rPr lang="en-US" sz="3600" b="1" i="0" dirty="0">
+                <a:solidFill>
+                  <a:srgbClr val="0F0F0F"/>
+                </a:solidFill>
+                <a:effectLst/>
+                <a:latin typeface="Roboto" panose="02000000000000000000" pitchFamily="2" charset="0"/>
+              </a:rPr>
+              <a:t>Insert-sort with Romanian folk dance</a:t>
+            </a:r>
+            <a:br>
+              <a:rPr lang="en-US" sz="3600" b="1" i="0" dirty="0">
+                <a:solidFill>
+                  <a:srgbClr val="0F0F0F"/>
+                </a:solidFill>
+                <a:effectLst/>
+                <a:latin typeface="Roboto" panose="02000000000000000000" pitchFamily="2" charset="0"/>
+              </a:rPr>
+            </a:br>
+            <a:endParaRPr lang="en-US" sz="3600" dirty="0"/>
+          </a:p>
+        </p:txBody>
+      </p:sp>
+      <p:pic>
+        <p:nvPicPr>
+          <p:cNvPr id="4" name="Online Media 3" title="Insert-sort with Romanian folk dance">
+            <a:hlinkClick r:id="" action="ppaction://media"/>
+            <a:extLst>
+              <a:ext uri="{FF2B5EF4-FFF2-40B4-BE49-F238E27FC236}">
+                <a16:creationId xmlns:a16="http://schemas.microsoft.com/office/drawing/2014/main" id="{487A1411-E0F3-6DA2-EFCB-5A34FC9DEA25}"/>
+              </a:ext>
+            </a:extLst>
+          </p:cNvPr>
+          <p:cNvPicPr>
+            <a:picLocks noGrp="1" noRot="1" noChangeAspect="1"/>
+          </p:cNvPicPr>
+          <p:nvPr>
+            <p:ph idx="1"/>
+            <a:videoFile r:link="rId1"/>
+          </p:nvPr>
+        </p:nvPicPr>
+        <p:blipFill>
+          <a:blip r:embed="rId3"/>
+          <a:stretch>
+            <a:fillRect/>
+          </a:stretch>
+        </p:blipFill>
+        <p:spPr>
+          <a:xfrm>
+            <a:off x="563563" y="1600200"/>
+            <a:ext cx="8016875" cy="4525963"/>
+          </a:xfrm>
+          <a:prstGeom prst="rect">
+            <a:avLst/>
+          </a:prstGeom>
+        </p:spPr>
+      </p:pic>
+    </p:spTree>
+    <p:extLst>
+      <p:ext uri="{BB962C8B-B14F-4D97-AF65-F5344CB8AC3E}">
+        <p14:creationId xmlns:p14="http://schemas.microsoft.com/office/powerpoint/2010/main" val="2615023198"/>
+      </p:ext>
+    </p:extLst>
+  </p:cSld>
+  <p:clrMapOvr>
+    <a:masterClrMapping/>
+  </p:clrMapOvr>
+  <p:timing>
+    <p:tnLst>
+      <p:par>
+        <p:cTn id="1" dur="indefinite" restart="never" nodeType="tmRoot">
+          <p:childTnLst>
+            <p:seq concurrent="1" nextAc="seek">
+              <p:cTn id="2" dur="indefinite" nodeType="mainSeq">
+                <p:childTnLst>
+                  <p:par>
+                    <p:cTn id="3" fill="hold">
+                      <p:stCondLst>
+                        <p:cond delay="indefinite"/>
+                      </p:stCondLst>
+                      <p:childTnLst>
+                        <p:par>
+                          <p:cTn id="4" fill="hold">
+                            <p:stCondLst>
+                              <p:cond delay="0"/>
+                            </p:stCondLst>
+                            <p:childTnLst>
+                              <p:par>
+                                <p:cTn id="5" presetID="1" presetClass="mediacall" presetSubtype="0" fill="hold" nodeType="clickEffect">
+                                  <p:stCondLst>
+                                    <p:cond delay="0"/>
+                                  </p:stCondLst>
+                                  <p:childTnLst>
+                                    <p:cmd type="call" cmd="playFrom(0.0)">
+                                      <p:cBhvr>
+                                        <p:cTn id="6" dur="1" fill="hold"/>
+                                        <p:tgtEl>
+                                          <p:spTgt spid="4"/>
+                                        </p:tgtEl>
+                                      </p:cBhvr>
+                                    </p:cmd>
+                                  </p:childTnLst>
+                                </p:cTn>
+                              </p:par>
+                            </p:childTnLst>
+                          </p:cTn>
+                        </p:par>
+                      </p:childTnLst>
+                    </p:cTn>
+                  </p:par>
+                </p:childTnLst>
+              </p:cTn>
+              <p:prevCondLst>
+                <p:cond evt="onPrev" delay="0">
+                  <p:tgtEl>
+                    <p:sldTgt/>
+                  </p:tgtEl>
+                </p:cond>
+              </p:prevCondLst>
+              <p:nextCondLst>
+                <p:cond evt="onNext" delay="0">
+                  <p:tgtEl>
+                    <p:sldTgt/>
+                  </p:tgtEl>
+                </p:cond>
+              </p:nextCondLst>
+            </p:seq>
+            <p:video>
+              <p:cMediaNode vol="80000">
+                <p:cTn id="7" fill="hold" display="0">
+                  <p:stCondLst>
+                    <p:cond delay="indefinite"/>
+                  </p:stCondLst>
+                </p:cTn>
+                <p:tgtEl>
+                  <p:spTgt spid="4"/>
+                </p:tgtEl>
+              </p:cMediaNode>
+            </p:video>
+            <p:seq concurrent="1" nextAc="seek">
+              <p:cTn id="8" restart="whenNotActive" fill="hold" evtFilter="cancelBubble" nodeType="interactiveSeq">
+                <p:stCondLst>
+                  <p:cond evt="onClick" delay="0">
+                    <p:tgtEl>
+                      <p:spTgt spid="4"/>
+                    </p:tgtEl>
+                  </p:cond>
+                </p:stCondLst>
+                <p:endSync evt="end" delay="0">
+                  <p:rtn val="all"/>
+                </p:endSync>
+                <p:childTnLst>
+                  <p:par>
+                    <p:cTn id="9" fill="hold">
+                      <p:stCondLst>
+                        <p:cond delay="0"/>
+                      </p:stCondLst>
+                      <p:childTnLst>
+                        <p:par>
+                          <p:cTn id="10" fill="hold">
+                            <p:stCondLst>
+                              <p:cond delay="0"/>
+                            </p:stCondLst>
+                            <p:childTnLst>
+                              <p:par>
+                                <p:cTn id="11" presetID="2" presetClass="mediacall" presetSubtype="0" fill="hold" nodeType="clickEffect">
+                                  <p:stCondLst>
+                                    <p:cond delay="0"/>
+                                  </p:stCondLst>
+                                  <p:childTnLst>
+                                    <p:cmd type="call" cmd="togglePause">
+                                      <p:cBhvr>
+                                        <p:cTn id="12" dur="1" fill="hold"/>
+                                        <p:tgtEl>
+                                          <p:spTgt spid="4"/>
+                                        </p:tgtEl>
+                                      </p:cBhvr>
+                                    </p:cmd>
+                                  </p:childTnLst>
+                                </p:cTn>
+                              </p:par>
+                            </p:childTnLst>
+                          </p:cTn>
+                        </p:par>
+                      </p:childTnLst>
+                    </p:cTn>
+                  </p:par>
+                </p:childTnLst>
+              </p:cTn>
+              <p:nextCondLst>
+                <p:cond evt="onClick" delay="0">
+                  <p:tgtEl>
+                    <p:spTgt spid="4"/>
+                  </p:tgtEl>
+                </p:cond>
+              </p:nextCondLst>
+            </p:seq>
+          </p:childTnLst>
+        </p:cTn>
+      </p:par>
+    </p:tnLst>
+  </p:timing>
+</p:sld>
+</file>
+
+<file path=ppt/slides/slide18.xml><?xml version="1.0" encoding="utf-8"?>
+<p:sld xmlns:a="http://schemas.openxmlformats.org/drawingml/2006/main" xmlns:r="http://schemas.openxmlformats.org/officeDocument/2006/relationships" xmlns:p="http://schemas.openxmlformats.org/presentationml/2006/main">
+  <p:cSld>
+    <p:spTree>
+      <p:nvGrpSpPr>
+        <p:cNvPr id="1" name=""/>
+        <p:cNvGrpSpPr/>
+        <p:nvPr/>
+      </p:nvGrpSpPr>
+      <p:grpSpPr>
+        <a:xfrm>
+          <a:off x="0" y="0"/>
+          <a:ext cx="0" cy="0"/>
+          <a:chOff x="0" y="0"/>
+          <a:chExt cx="0" cy="0"/>
+        </a:xfrm>
+      </p:grpSpPr>
+      <p:sp>
+        <p:nvSpPr>
+          <p:cNvPr id="2" name="Title 1">
+            <a:extLst>
+              <a:ext uri="{FF2B5EF4-FFF2-40B4-BE49-F238E27FC236}">
+                <a16:creationId xmlns:a16="http://schemas.microsoft.com/office/drawing/2014/main" id="{70B24C26-1B31-E66F-3D13-F37A009E72F0}"/>
+              </a:ext>
+            </a:extLst>
+          </p:cNvPr>
+          <p:cNvSpPr>
+            <a:spLocks noGrp="1"/>
+          </p:cNvSpPr>
+          <p:nvPr>
+            <p:ph type="title"/>
+          </p:nvPr>
+        </p:nvSpPr>
+        <p:spPr/>
+        <p:txBody>
+          <a:bodyPr>
+            <a:normAutofit fontScale="90000"/>
+          </a:bodyPr>
+          <a:lstStyle/>
+          <a:p>
+            <a:r>
+              <a:rPr lang="en-US" sz="4000" b="1" i="0" dirty="0">
+                <a:solidFill>
+                  <a:srgbClr val="0F0F0F"/>
+                </a:solidFill>
+                <a:effectLst/>
+                <a:latin typeface="Roboto" panose="02000000000000000000" pitchFamily="2" charset="0"/>
+              </a:rPr>
+              <a:t>Merge-sort with Transylvanian-</a:t>
+            </a:r>
+            <a:r>
+              <a:rPr lang="en-US" sz="4000" b="1" i="0" dirty="0" err="1">
+                <a:solidFill>
+                  <a:srgbClr val="0F0F0F"/>
+                </a:solidFill>
+                <a:effectLst/>
+                <a:latin typeface="Roboto" panose="02000000000000000000" pitchFamily="2" charset="0"/>
+              </a:rPr>
+              <a:t>saxon</a:t>
+            </a:r>
+            <a:r>
+              <a:rPr lang="en-US" sz="4000" b="1" i="0" dirty="0">
+                <a:solidFill>
+                  <a:srgbClr val="0F0F0F"/>
+                </a:solidFill>
+                <a:effectLst/>
+                <a:latin typeface="Roboto" panose="02000000000000000000" pitchFamily="2" charset="0"/>
+              </a:rPr>
+              <a:t> (German) folk dance</a:t>
+            </a:r>
+            <a:br>
+              <a:rPr lang="en-US" b="1" i="0" dirty="0">
+                <a:solidFill>
+                  <a:srgbClr val="0F0F0F"/>
+                </a:solidFill>
+                <a:effectLst/>
+                <a:latin typeface="Roboto" panose="02000000000000000000" pitchFamily="2" charset="0"/>
+              </a:rPr>
+            </a:br>
+            <a:endParaRPr lang="en-US" dirty="0"/>
+          </a:p>
+        </p:txBody>
+      </p:sp>
+      <p:pic>
+        <p:nvPicPr>
+          <p:cNvPr id="4" name="Online Media 3" title="Merge-sort with Transylvanian-saxon (German) folk dance">
+            <a:hlinkClick r:id="" action="ppaction://media"/>
+            <a:extLst>
+              <a:ext uri="{FF2B5EF4-FFF2-40B4-BE49-F238E27FC236}">
+                <a16:creationId xmlns:a16="http://schemas.microsoft.com/office/drawing/2014/main" id="{169C5A13-FFBA-D1EC-EE17-06BC9A9B760D}"/>
+              </a:ext>
+            </a:extLst>
+          </p:cNvPr>
+          <p:cNvPicPr>
+            <a:picLocks noGrp="1" noRot="1" noChangeAspect="1"/>
+          </p:cNvPicPr>
+          <p:nvPr>
+            <p:ph idx="1"/>
+            <a:videoFile r:link="rId1"/>
+          </p:nvPr>
+        </p:nvPicPr>
+        <p:blipFill>
+          <a:blip r:embed="rId3"/>
+          <a:stretch>
+            <a:fillRect/>
+          </a:stretch>
+        </p:blipFill>
+        <p:spPr>
+          <a:xfrm>
+            <a:off x="563563" y="1600200"/>
+            <a:ext cx="8016875" cy="4525963"/>
+          </a:xfrm>
+          <a:prstGeom prst="rect">
+            <a:avLst/>
+          </a:prstGeom>
+        </p:spPr>
+      </p:pic>
+    </p:spTree>
+    <p:extLst>
+      <p:ext uri="{BB962C8B-B14F-4D97-AF65-F5344CB8AC3E}">
+        <p14:creationId xmlns:p14="http://schemas.microsoft.com/office/powerpoint/2010/main" val="4292597875"/>
+      </p:ext>
+    </p:extLst>
+  </p:cSld>
+  <p:clrMapOvr>
+    <a:masterClrMapping/>
+  </p:clrMapOvr>
+  <p:timing>
+    <p:tnLst>
+      <p:par>
+        <p:cTn id="1" dur="indefinite" restart="never" nodeType="tmRoot">
+          <p:childTnLst>
+            <p:seq concurrent="1" nextAc="seek">
+              <p:cTn id="2" dur="indefinite" nodeType="mainSeq">
+                <p:childTnLst>
+                  <p:par>
+                    <p:cTn id="3" fill="hold">
+                      <p:stCondLst>
+                        <p:cond delay="indefinite"/>
+                      </p:stCondLst>
+                      <p:childTnLst>
+                        <p:par>
+                          <p:cTn id="4" fill="hold">
+                            <p:stCondLst>
+                              <p:cond delay="0"/>
+                            </p:stCondLst>
+                            <p:childTnLst>
+                              <p:par>
+                                <p:cTn id="5" presetID="1" presetClass="mediacall" presetSubtype="0" fill="hold" nodeType="clickEffect">
+                                  <p:stCondLst>
+                                    <p:cond delay="0"/>
+                                  </p:stCondLst>
+                                  <p:childTnLst>
+                                    <p:cmd type="call" cmd="playFrom(0.0)">
+                                      <p:cBhvr>
+                                        <p:cTn id="6" dur="1" fill="hold"/>
+                                        <p:tgtEl>
+                                          <p:spTgt spid="4"/>
+                                        </p:tgtEl>
+                                      </p:cBhvr>
+                                    </p:cmd>
+                                  </p:childTnLst>
+                                </p:cTn>
+                              </p:par>
+                            </p:childTnLst>
+                          </p:cTn>
+                        </p:par>
+                      </p:childTnLst>
+                    </p:cTn>
+                  </p:par>
+                </p:childTnLst>
+              </p:cTn>
+              <p:prevCondLst>
+                <p:cond evt="onPrev" delay="0">
+                  <p:tgtEl>
+                    <p:sldTgt/>
+                  </p:tgtEl>
+                </p:cond>
+              </p:prevCondLst>
+              <p:nextCondLst>
+                <p:cond evt="onNext" delay="0">
+                  <p:tgtEl>
+                    <p:sldTgt/>
+                  </p:tgtEl>
+                </p:cond>
+              </p:nextCondLst>
+            </p:seq>
+            <p:video>
+              <p:cMediaNode vol="80000">
+                <p:cTn id="7" fill="hold" display="0">
+                  <p:stCondLst>
+                    <p:cond delay="indefinite"/>
+                  </p:stCondLst>
+                </p:cTn>
+                <p:tgtEl>
+                  <p:spTgt spid="4"/>
+                </p:tgtEl>
+              </p:cMediaNode>
+            </p:video>
+            <p:seq concurrent="1" nextAc="seek">
+              <p:cTn id="8" restart="whenNotActive" fill="hold" evtFilter="cancelBubble" nodeType="interactiveSeq">
+                <p:stCondLst>
+                  <p:cond evt="onClick" delay="0">
+                    <p:tgtEl>
+                      <p:spTgt spid="4"/>
+                    </p:tgtEl>
+                  </p:cond>
+                </p:stCondLst>
+                <p:endSync evt="end" delay="0">
+                  <p:rtn val="all"/>
+                </p:endSync>
+                <p:childTnLst>
+                  <p:par>
+                    <p:cTn id="9" fill="hold">
+                      <p:stCondLst>
+                        <p:cond delay="0"/>
+                      </p:stCondLst>
+                      <p:childTnLst>
+                        <p:par>
+                          <p:cTn id="10" fill="hold">
+                            <p:stCondLst>
+                              <p:cond delay="0"/>
+                            </p:stCondLst>
+                            <p:childTnLst>
+                              <p:par>
+                                <p:cTn id="11" presetID="2" presetClass="mediacall" presetSubtype="0" fill="hold" nodeType="clickEffect">
+                                  <p:stCondLst>
+                                    <p:cond delay="0"/>
+                                  </p:stCondLst>
+                                  <p:childTnLst>
+                                    <p:cmd type="call" cmd="togglePause">
+                                      <p:cBhvr>
+                                        <p:cTn id="12" dur="1" fill="hold"/>
+                                        <p:tgtEl>
+                                          <p:spTgt spid="4"/>
+                                        </p:tgtEl>
+                                      </p:cBhvr>
+                                    </p:cmd>
+                                  </p:childTnLst>
+                                </p:cTn>
+                              </p:par>
+                            </p:childTnLst>
+                          </p:cTn>
+                        </p:par>
+                      </p:childTnLst>
+                    </p:cTn>
+                  </p:par>
+                </p:childTnLst>
+              </p:cTn>
+              <p:nextCondLst>
+                <p:cond evt="onClick" delay="0">
+                  <p:tgtEl>
+                    <p:spTgt spid="4"/>
+                  </p:tgtEl>
+                </p:cond>
+              </p:nextCondLst>
+            </p:seq>
+          </p:childTnLst>
+        </p:cTn>
+      </p:par>
+    </p:tnLst>
+  </p:timing>
+</p:sld>
+</file>
+
+<file path=ppt/slides/slide19.xml><?xml version="1.0" encoding="utf-8"?>
 <p:sld xmlns:a="http://schemas.openxmlformats.org/drawingml/2006/main" xmlns:r="http://schemas.openxmlformats.org/officeDocument/2006/relationships" xmlns:p="http://schemas.openxmlformats.org/presentationml/2006/main">
   <p:cSld>
     <p:spTree>
@@ -5286,7 +7047,115 @@
 </p:sld>
 </file>
 
-<file path=ppt/slides/slide12.xml><?xml version="1.0" encoding="utf-8"?>
+<file path=ppt/slides/slide2.xml><?xml version="1.0" encoding="utf-8"?>
+<p:sld xmlns:a="http://schemas.openxmlformats.org/drawingml/2006/main" xmlns:r="http://schemas.openxmlformats.org/officeDocument/2006/relationships" xmlns:p="http://schemas.openxmlformats.org/presentationml/2006/main">
+  <p:cSld>
+    <p:spTree>
+      <p:nvGrpSpPr>
+        <p:cNvPr id="1" name=""/>
+        <p:cNvGrpSpPr/>
+        <p:nvPr/>
+      </p:nvGrpSpPr>
+      <p:grpSpPr>
+        <a:xfrm>
+          <a:off x="0" y="0"/>
+          <a:ext cx="0" cy="0"/>
+          <a:chOff x="0" y="0"/>
+          <a:chExt cx="0" cy="0"/>
+        </a:xfrm>
+      </p:grpSpPr>
+      <p:sp>
+        <p:nvSpPr>
+          <p:cNvPr id="2" name="Rectangle 1"/>
+          <p:cNvSpPr>
+            <a:spLocks noGrp="1"/>
+          </p:cNvSpPr>
+          <p:nvPr>
+            <p:ph type="ctrTitle"/>
+          </p:nvPr>
+        </p:nvSpPr>
+        <p:spPr/>
+        <p:txBody>
+          <a:bodyPr/>
+          <a:lstStyle/>
+          <a:p>
+            <a:pPr eaLnBrk="1" fontAlgn="auto" hangingPunct="1">
+              <a:spcAft>
+                <a:spcPts val="0"/>
+              </a:spcAft>
+              <a:defRPr/>
+            </a:pPr>
+            <a:r>
+              <a:rPr lang="en-US" dirty="0"/>
+              <a:t>CSSE 220</a:t>
+            </a:r>
+          </a:p>
+        </p:txBody>
+      </p:sp>
+      <p:sp>
+        <p:nvSpPr>
+          <p:cNvPr id="9219" name="Rectangle 2"/>
+          <p:cNvSpPr>
+            <a:spLocks noGrp="1"/>
+          </p:cNvSpPr>
+          <p:nvPr>
+            <p:ph type="subTitle" idx="1"/>
+          </p:nvPr>
+        </p:nvSpPr>
+        <p:spPr/>
+        <p:txBody>
+          <a:bodyPr/>
+          <a:lstStyle/>
+          <a:p>
+            <a:pPr marR="0" eaLnBrk="1" hangingPunct="1">
+              <a:lnSpc>
+                <a:spcPct val="90000"/>
+              </a:lnSpc>
+            </a:pPr>
+            <a:r>
+              <a:rPr lang="en-US" sz="2500" dirty="0"/>
+              <a:t>Presentation Details</a:t>
+            </a:r>
+          </a:p>
+          <a:p>
+            <a:pPr marR="0" eaLnBrk="1" hangingPunct="1">
+              <a:lnSpc>
+                <a:spcPct val="90000"/>
+              </a:lnSpc>
+            </a:pPr>
+            <a:endParaRPr lang="en-US" sz="2500" dirty="0"/>
+          </a:p>
+          <a:p>
+            <a:pPr marR="0" eaLnBrk="1" hangingPunct="1">
+              <a:lnSpc>
+                <a:spcPct val="90000"/>
+              </a:lnSpc>
+            </a:pPr>
+            <a:endParaRPr lang="en-US" sz="2500" dirty="0"/>
+          </a:p>
+        </p:txBody>
+      </p:sp>
+    </p:spTree>
+  </p:cSld>
+  <p:clrMapOvr>
+    <a:masterClrMapping/>
+  </p:clrMapOvr>
+  <mc:AlternateContent xmlns:mc="http://schemas.openxmlformats.org/markup-compatibility/2006" xmlns:p14="http://schemas.microsoft.com/office/powerpoint/2010/main">
+    <mc:Choice Requires="p14">
+      <p:transition spd="med" p14:dur="700">
+        <p:fade/>
+      </p:transition>
+    </mc:Choice>
+    <mc:Fallback xmlns="">
+      <p:transition spd="med">
+        <p:fade/>
+      </p:transition>
+    </mc:Fallback>
+  </mc:AlternateContent>
+</p:sld>
+</file>
+
+<file path=ppt/slides/slide20.xml><?xml version="1.0" encoding="utf-8"?>
 <p:sld xmlns:a="http://schemas.openxmlformats.org/drawingml/2006/main" xmlns:r="http://schemas.openxmlformats.org/officeDocument/2006/relationships" xmlns:p="http://schemas.openxmlformats.org/presentationml/2006/main">
   <p:cSld>
     <p:spTree>
@@ -5546,7 +7415,7 @@
 </p:sld>
 </file>
 
-<file path=ppt/slides/slide13.xml><?xml version="1.0" encoding="utf-8"?>
+<file path=ppt/slides/slide21.xml><?xml version="1.0" encoding="utf-8"?>
 <p:sld xmlns:a="http://schemas.openxmlformats.org/drawingml/2006/main" xmlns:r="http://schemas.openxmlformats.org/officeDocument/2006/relationships" xmlns:p="http://schemas.openxmlformats.org/presentationml/2006/main">
   <p:cSld>
     <p:spTree>
@@ -5635,7 +7504,7 @@
 </p:sld>
 </file>
 
-<file path=ppt/slides/slide14.xml><?xml version="1.0" encoding="utf-8"?>
+<file path=ppt/slides/slide22.xml><?xml version="1.0" encoding="utf-8"?>
 <p:sld xmlns:a="http://schemas.openxmlformats.org/drawingml/2006/main" xmlns:r="http://schemas.openxmlformats.org/officeDocument/2006/relationships" xmlns:p="http://schemas.openxmlformats.org/presentationml/2006/main">
   <p:cSld>
     <p:spTree>
@@ -5816,7 +7685,7 @@
 </p:sld>
 </file>
 
-<file path=ppt/slides/slide15.xml><?xml version="1.0" encoding="utf-8"?>
+<file path=ppt/slides/slide23.xml><?xml version="1.0" encoding="utf-8"?>
 <p:sld xmlns:a="http://schemas.openxmlformats.org/drawingml/2006/main" xmlns:r="http://schemas.openxmlformats.org/officeDocument/2006/relationships" xmlns:p="http://schemas.openxmlformats.org/presentationml/2006/main">
   <p:cSld>
     <p:spTree>
@@ -5893,114 +7762,6 @@
 </p:sld>
 </file>
 
-<file path=ppt/slides/slide2.xml><?xml version="1.0" encoding="utf-8"?>
-<p:sld xmlns:a="http://schemas.openxmlformats.org/drawingml/2006/main" xmlns:r="http://schemas.openxmlformats.org/officeDocument/2006/relationships" xmlns:p="http://schemas.openxmlformats.org/presentationml/2006/main">
-  <p:cSld>
-    <p:spTree>
-      <p:nvGrpSpPr>
-        <p:cNvPr id="1" name=""/>
-        <p:cNvGrpSpPr/>
-        <p:nvPr/>
-      </p:nvGrpSpPr>
-      <p:grpSpPr>
-        <a:xfrm>
-          <a:off x="0" y="0"/>
-          <a:ext cx="0" cy="0"/>
-          <a:chOff x="0" y="0"/>
-          <a:chExt cx="0" cy="0"/>
-        </a:xfrm>
-      </p:grpSpPr>
-      <p:sp>
-        <p:nvSpPr>
-          <p:cNvPr id="2" name="Rectangle 1"/>
-          <p:cNvSpPr>
-            <a:spLocks noGrp="1"/>
-          </p:cNvSpPr>
-          <p:nvPr>
-            <p:ph type="ctrTitle"/>
-          </p:nvPr>
-        </p:nvSpPr>
-        <p:spPr/>
-        <p:txBody>
-          <a:bodyPr/>
-          <a:lstStyle/>
-          <a:p>
-            <a:pPr eaLnBrk="1" fontAlgn="auto" hangingPunct="1">
-              <a:spcAft>
-                <a:spcPts val="0"/>
-              </a:spcAft>
-              <a:defRPr/>
-            </a:pPr>
-            <a:r>
-              <a:rPr lang="en-US" dirty="0"/>
-              <a:t>CSSE 220</a:t>
-            </a:r>
-          </a:p>
-        </p:txBody>
-      </p:sp>
-      <p:sp>
-        <p:nvSpPr>
-          <p:cNvPr id="9219" name="Rectangle 2"/>
-          <p:cNvSpPr>
-            <a:spLocks noGrp="1"/>
-          </p:cNvSpPr>
-          <p:nvPr>
-            <p:ph type="subTitle" idx="1"/>
-          </p:nvPr>
-        </p:nvSpPr>
-        <p:spPr/>
-        <p:txBody>
-          <a:bodyPr/>
-          <a:lstStyle/>
-          <a:p>
-            <a:pPr marR="0" eaLnBrk="1" hangingPunct="1">
-              <a:lnSpc>
-                <a:spcPct val="90000"/>
-              </a:lnSpc>
-            </a:pPr>
-            <a:r>
-              <a:rPr lang="en-US" sz="2500" dirty="0"/>
-              <a:t>Presentation Details</a:t>
-            </a:r>
-          </a:p>
-          <a:p>
-            <a:pPr marR="0" eaLnBrk="1" hangingPunct="1">
-              <a:lnSpc>
-                <a:spcPct val="90000"/>
-              </a:lnSpc>
-            </a:pPr>
-            <a:endParaRPr lang="en-US" sz="2500" dirty="0"/>
-          </a:p>
-          <a:p>
-            <a:pPr marR="0" eaLnBrk="1" hangingPunct="1">
-              <a:lnSpc>
-                <a:spcPct val="90000"/>
-              </a:lnSpc>
-            </a:pPr>
-            <a:endParaRPr lang="en-US" sz="2500" dirty="0"/>
-          </a:p>
-        </p:txBody>
-      </p:sp>
-    </p:spTree>
-  </p:cSld>
-  <p:clrMapOvr>
-    <a:masterClrMapping/>
-  </p:clrMapOvr>
-  <mc:AlternateContent xmlns:mc="http://schemas.openxmlformats.org/markup-compatibility/2006" xmlns:p14="http://schemas.microsoft.com/office/powerpoint/2010/main">
-    <mc:Choice Requires="p14">
-      <p:transition spd="med" p14:dur="700">
-        <p:fade/>
-      </p:transition>
-    </mc:Choice>
-    <mc:Fallback xmlns="">
-      <p:transition spd="med">
-        <p:fade/>
-      </p:transition>
-    </mc:Fallback>
-  </mc:AlternateContent>
-</p:sld>
-</file>
-
 <file path=ppt/slides/slide3.xml><?xml version="1.0" encoding="utf-8"?>
 <p:sld xmlns:a="http://schemas.openxmlformats.org/drawingml/2006/main" xmlns:r="http://schemas.openxmlformats.org/officeDocument/2006/relationships" xmlns:p="http://schemas.openxmlformats.org/presentationml/2006/main">
   <p:cSld>
@@ -7513,7 +9274,7 @@
 </file>
 
 <file path=ppt/slides/slide7.xml><?xml version="1.0" encoding="utf-8"?>
-<p:sld xmlns:a="http://schemas.openxmlformats.org/drawingml/2006/main" xmlns:r="http://schemas.openxmlformats.org/officeDocument/2006/relationships" xmlns:p="http://schemas.openxmlformats.org/presentationml/2006/main">
+<p:sld xmlns:a="http://schemas.openxmlformats.org/drawingml/2006/main" xmlns:r="http://schemas.openxmlformats.org/officeDocument/2006/relationships" xmlns:p="http://schemas.openxmlformats.org/presentationml/2006/main" show="0">
   <p:cSld>
     <p:spTree>
       <p:nvGrpSpPr>
@@ -7585,16 +9346,16 @@
           <a:p>
             <a:r>
               <a:rPr lang="en-US" dirty="0"/>
-              <a:t>Link: record your screen on Windows 10 using Game Bar (Windows Key  + g)</a:t>
+              <a:t>Old Way: record your screen on Windows 10 using Game Bar (Windows Key  + g)</a:t>
             </a:r>
             <a:endParaRPr lang="en-US" dirty="0">
-              <a:hlinkClick r:id="rId5"/>
+              <a:hlinkClick r:id=""/>
             </a:endParaRPr>
           </a:p>
           <a:p>
             <a:r>
               <a:rPr lang="en-US" dirty="0">
-                <a:hlinkClick r:id="rId5"/>
+                <a:hlinkClick r:id=""/>
               </a:rPr>
               <a:t>https://www.businessinsider.com/how-to-record-screen-on-windows-10</a:t>
             </a:r>
@@ -7650,8 +9411,8 @@
               </a:spcAft>
             </a:pPr>
             <a:r>
-              <a:rPr lang="en-US" sz="3600" dirty="0"/>
-              <a:t>How to Make Screen Recordings</a:t>
+              <a:rPr lang="en-US" sz="3200" dirty="0"/>
+              <a:t>How to Make Screen Recordings (Windows 10)</a:t>
             </a:r>
           </a:p>
         </p:txBody>
@@ -7750,6 +9511,344 @@
 </file>
 
 <file path=ppt/slides/slide8.xml><?xml version="1.0" encoding="utf-8"?>
+<p:sld xmlns:a="http://schemas.openxmlformats.org/drawingml/2006/main" xmlns:r="http://schemas.openxmlformats.org/officeDocument/2006/relationships" xmlns:p="http://schemas.openxmlformats.org/presentationml/2006/main">
+  <p:cSld>
+    <p:spTree>
+      <p:nvGrpSpPr>
+        <p:cNvPr id="1" name="">
+          <a:extLst>
+            <a:ext uri="{FF2B5EF4-FFF2-40B4-BE49-F238E27FC236}">
+              <a16:creationId xmlns:a16="http://schemas.microsoft.com/office/drawing/2014/main" id="{66DB6169-6339-63B3-F567-AFB532205B78}"/>
+            </a:ext>
+          </a:extLst>
+        </p:cNvPr>
+        <p:cNvGrpSpPr/>
+        <p:nvPr/>
+      </p:nvGrpSpPr>
+      <p:grpSpPr>
+        <a:xfrm>
+          <a:off x="0" y="0"/>
+          <a:ext cx="0" cy="0"/>
+          <a:chOff x="0" y="0"/>
+          <a:chExt cx="0" cy="0"/>
+        </a:xfrm>
+      </p:grpSpPr>
+      <p:pic>
+        <p:nvPicPr>
+          <p:cNvPr id="2" name="Arcade Game 2020-02-13 08-33-40">
+            <a:hlinkClick r:id="" action="ppaction://media"/>
+            <a:extLst>
+              <a:ext uri="{FF2B5EF4-FFF2-40B4-BE49-F238E27FC236}">
+                <a16:creationId xmlns:a16="http://schemas.microsoft.com/office/drawing/2014/main" id="{282683AA-E55F-FF65-453C-6819C6882FDF}"/>
+              </a:ext>
+            </a:extLst>
+          </p:cNvPr>
+          <p:cNvPicPr>
+            <a:picLocks noChangeAspect="1"/>
+          </p:cNvPicPr>
+          <p:nvPr>
+            <a:videoFile r:link="rId2"/>
+            <p:extLst>
+              <p:ext uri="{DAA4B4D4-6D71-4841-9C94-3DE7FCFB9230}">
+                <p14:media xmlns:p14="http://schemas.microsoft.com/office/powerpoint/2010/main" r:embed="rId1"/>
+              </p:ext>
+            </p:extLst>
+          </p:nvPr>
+        </p:nvPicPr>
+        <p:blipFill>
+          <a:blip r:embed="rId4"/>
+          <a:stretch>
+            <a:fillRect/>
+          </a:stretch>
+        </p:blipFill>
+        <p:spPr>
+          <a:xfrm>
+            <a:off x="2039404" y="1100542"/>
+            <a:ext cx="4800600" cy="4530253"/>
+          </a:xfrm>
+          <a:prstGeom prst="rect">
+            <a:avLst/>
+          </a:prstGeom>
+        </p:spPr>
+      </p:pic>
+      <p:sp>
+        <p:nvSpPr>
+          <p:cNvPr id="3" name="Rectangle 2">
+            <a:extLst>
+              <a:ext uri="{FF2B5EF4-FFF2-40B4-BE49-F238E27FC236}">
+                <a16:creationId xmlns:a16="http://schemas.microsoft.com/office/drawing/2014/main" id="{06DC13A9-DE97-0AC1-D924-D4F1F1E5C942}"/>
+              </a:ext>
+            </a:extLst>
+          </p:cNvPr>
+          <p:cNvSpPr/>
+          <p:nvPr/>
+        </p:nvSpPr>
+        <p:spPr>
+          <a:xfrm>
+            <a:off x="223381" y="5678830"/>
+            <a:ext cx="8686800" cy="1200329"/>
+          </a:xfrm>
+          <a:prstGeom prst="rect">
+            <a:avLst/>
+          </a:prstGeom>
+        </p:spPr>
+        <p:txBody>
+          <a:bodyPr wrap="square">
+            <a:spAutoFit/>
+          </a:bodyPr>
+          <a:lstStyle/>
+          <a:p>
+            <a:r>
+              <a:rPr lang="en-US" dirty="0"/>
+              <a:t>Press Print Screen</a:t>
+            </a:r>
+          </a:p>
+          <a:p>
+            <a:r>
+              <a:rPr lang="en-US" dirty="0"/>
+              <a:t>Or</a:t>
+            </a:r>
+          </a:p>
+          <a:p>
+            <a:r>
+              <a:rPr lang="en-US" dirty="0"/>
+              <a:t>Window + Shift + S</a:t>
+            </a:r>
+          </a:p>
+          <a:p>
+            <a:endParaRPr lang="en-US" dirty="0"/>
+          </a:p>
+        </p:txBody>
+      </p:sp>
+      <p:sp>
+        <p:nvSpPr>
+          <p:cNvPr id="5" name="Title 1">
+            <a:extLst>
+              <a:ext uri="{FF2B5EF4-FFF2-40B4-BE49-F238E27FC236}">
+                <a16:creationId xmlns:a16="http://schemas.microsoft.com/office/drawing/2014/main" id="{3E8B4C04-27B3-06D5-B60B-DBA83100F6A8}"/>
+              </a:ext>
+            </a:extLst>
+          </p:cNvPr>
+          <p:cNvSpPr txBox="1">
+            <a:spLocks/>
+          </p:cNvSpPr>
+          <p:nvPr/>
+        </p:nvSpPr>
+        <p:spPr>
+          <a:xfrm>
+            <a:off x="457200" y="274638"/>
+            <a:ext cx="8229600" cy="715962"/>
+          </a:xfrm>
+          <a:prstGeom prst="rect">
+            <a:avLst/>
+          </a:prstGeom>
+        </p:spPr>
+        <p:txBody>
+          <a:bodyPr/>
+          <a:lstStyle>
+            <a:lvl1pPr algn="ctr" defTabSz="914400" rtl="0" eaLnBrk="1" latinLnBrk="0" hangingPunct="1">
+              <a:spcBef>
+                <a:spcPct val="0"/>
+              </a:spcBef>
+              <a:buNone/>
+              <a:defRPr sz="4400" kern="1200">
+                <a:solidFill>
+                  <a:schemeClr val="tx1"/>
+                </a:solidFill>
+                <a:latin typeface="+mj-lt"/>
+                <a:ea typeface="+mj-ea"/>
+                <a:cs typeface="+mj-cs"/>
+              </a:defRPr>
+            </a:lvl1pPr>
+          </a:lstStyle>
+          <a:p>
+            <a:pPr fontAlgn="auto">
+              <a:spcAft>
+                <a:spcPts val="0"/>
+              </a:spcAft>
+            </a:pPr>
+            <a:r>
+              <a:rPr lang="en-US" sz="3600" dirty="0"/>
+              <a:t>Windows 11</a:t>
+            </a:r>
+          </a:p>
+        </p:txBody>
+      </p:sp>
+      <p:pic>
+        <p:nvPicPr>
+          <p:cNvPr id="6" name="Picture 5">
+            <a:extLst>
+              <a:ext uri="{FF2B5EF4-FFF2-40B4-BE49-F238E27FC236}">
+                <a16:creationId xmlns:a16="http://schemas.microsoft.com/office/drawing/2014/main" id="{7C1DFA1A-C871-4348-C049-8800CD17C67B}"/>
+              </a:ext>
+            </a:extLst>
+          </p:cNvPr>
+          <p:cNvPicPr>
+            <a:picLocks noChangeAspect="1"/>
+          </p:cNvPicPr>
+          <p:nvPr/>
+        </p:nvPicPr>
+        <p:blipFill>
+          <a:blip r:embed="rId5"/>
+          <a:stretch>
+            <a:fillRect/>
+          </a:stretch>
+        </p:blipFill>
+        <p:spPr>
+          <a:xfrm>
+            <a:off x="7353114" y="164696"/>
+            <a:ext cx="1333686" cy="657317"/>
+          </a:xfrm>
+          <a:prstGeom prst="rect">
+            <a:avLst/>
+          </a:prstGeom>
+        </p:spPr>
+      </p:pic>
+      <mc:AlternateContent xmlns:mc="http://schemas.openxmlformats.org/markup-compatibility/2006">
+        <mc:Choice xmlns:p14="http://schemas.microsoft.com/office/powerpoint/2010/main" Requires="p14">
+          <p:contentPart p14:bwMode="auto" r:id="rId6">
+            <p14:nvContentPartPr>
+              <p14:cNvPr id="7" name="Ink 6">
+                <a:extLst>
+                  <a:ext uri="{FF2B5EF4-FFF2-40B4-BE49-F238E27FC236}">
+                    <a16:creationId xmlns:a16="http://schemas.microsoft.com/office/drawing/2014/main" id="{CF320072-A44E-5496-2EDE-F002A0D6C1A9}"/>
+                  </a:ext>
+                </a:extLst>
+              </p14:cNvPr>
+              <p14:cNvContentPartPr/>
+              <p14:nvPr/>
+            </p14:nvContentPartPr>
+            <p14:xfrm>
+              <a:off x="7876800" y="871449"/>
+              <a:ext cx="348840" cy="676440"/>
+            </p14:xfrm>
+          </p:contentPart>
+        </mc:Choice>
+        <mc:Fallback>
+          <p:pic>
+            <p:nvPicPr>
+              <p:cNvPr id="7" name="Ink 6">
+                <a:extLst>
+                  <a:ext uri="{FF2B5EF4-FFF2-40B4-BE49-F238E27FC236}">
+                    <a16:creationId xmlns:a16="http://schemas.microsoft.com/office/drawing/2014/main" id="{CF320072-A44E-5496-2EDE-F002A0D6C1A9}"/>
+                  </a:ext>
+                </a:extLst>
+              </p:cNvPr>
+              <p:cNvPicPr/>
+              <p:nvPr/>
+            </p:nvPicPr>
+            <p:blipFill>
+              <a:blip r:embed="rId7"/>
+              <a:stretch>
+                <a:fillRect/>
+              </a:stretch>
+            </p:blipFill>
+            <p:spPr>
+              <a:xfrm>
+                <a:off x="7858800" y="853809"/>
+                <a:ext cx="384480" cy="712080"/>
+              </a:xfrm>
+              <a:prstGeom prst="rect">
+                <a:avLst/>
+              </a:prstGeom>
+            </p:spPr>
+          </p:pic>
+        </mc:Fallback>
+      </mc:AlternateContent>
+    </p:spTree>
+    <p:extLst>
+      <p:ext uri="{BB962C8B-B14F-4D97-AF65-F5344CB8AC3E}">
+        <p14:creationId xmlns:p14="http://schemas.microsoft.com/office/powerpoint/2010/main" val="3349084223"/>
+      </p:ext>
+    </p:extLst>
+  </p:cSld>
+  <p:clrMapOvr>
+    <a:masterClrMapping/>
+  </p:clrMapOvr>
+  <p:timing>
+    <p:tnLst>
+      <p:par>
+        <p:cTn id="1" dur="indefinite" restart="never" nodeType="tmRoot">
+          <p:childTnLst>
+            <p:seq concurrent="1" nextAc="seek">
+              <p:cTn id="2" restart="whenNotActive" fill="hold" evtFilter="cancelBubble" nodeType="interactiveSeq">
+                <p:stCondLst>
+                  <p:cond evt="onClick" delay="0">
+                    <p:tgtEl>
+                      <p:spTgt spid="2"/>
+                    </p:tgtEl>
+                  </p:cond>
+                </p:stCondLst>
+                <p:endSync evt="end" delay="0">
+                  <p:rtn val="all"/>
+                </p:endSync>
+                <p:childTnLst>
+                  <p:par>
+                    <p:cTn id="3" fill="hold">
+                      <p:stCondLst>
+                        <p:cond delay="0"/>
+                      </p:stCondLst>
+                      <p:childTnLst>
+                        <p:par>
+                          <p:cTn id="4" fill="hold">
+                            <p:stCondLst>
+                              <p:cond delay="0"/>
+                            </p:stCondLst>
+                            <p:childTnLst>
+                              <p:par>
+                                <p:cTn id="5" presetID="2" presetClass="mediacall" presetSubtype="0" fill="hold" nodeType="clickEffect">
+                                  <p:stCondLst>
+                                    <p:cond delay="0"/>
+                                  </p:stCondLst>
+                                  <p:childTnLst>
+                                    <p:cmd type="call" cmd="togglePause">
+                                      <p:cBhvr>
+                                        <p:cTn id="6" dur="1" fill="hold"/>
+                                        <p:tgtEl>
+                                          <p:spTgt spid="2"/>
+                                        </p:tgtEl>
+                                      </p:cBhvr>
+                                    </p:cmd>
+                                  </p:childTnLst>
+                                </p:cTn>
+                              </p:par>
+                            </p:childTnLst>
+                          </p:cTn>
+                        </p:par>
+                      </p:childTnLst>
+                    </p:cTn>
+                  </p:par>
+                </p:childTnLst>
+              </p:cTn>
+              <p:nextCondLst>
+                <p:cond evt="onClick" delay="0">
+                  <p:tgtEl>
+                    <p:spTgt spid="2"/>
+                  </p:tgtEl>
+                </p:cond>
+              </p:nextCondLst>
+            </p:seq>
+            <p:video>
+              <p:cMediaNode vol="80000">
+                <p:cTn id="7" fill="hold" display="0">
+                  <p:stCondLst>
+                    <p:cond delay="indefinite"/>
+                  </p:stCondLst>
+                </p:cTn>
+                <p:tgtEl>
+                  <p:spTgt spid="2"/>
+                </p:tgtEl>
+              </p:cMediaNode>
+            </p:video>
+          </p:childTnLst>
+        </p:cTn>
+      </p:par>
+    </p:tnLst>
+  </p:timing>
+</p:sld>
+</file>
+
+<file path=ppt/slides/slide9.xml><?xml version="1.0" encoding="utf-8"?>
 <p:sld xmlns:a="http://schemas.openxmlformats.org/drawingml/2006/main" xmlns:r="http://schemas.openxmlformats.org/officeDocument/2006/relationships" xmlns:p="http://schemas.openxmlformats.org/presentationml/2006/main">
   <p:cSld>
     <p:spTree>
@@ -7910,141 +10009,6 @@
     <p:extLst>
       <p:ext uri="{BB962C8B-B14F-4D97-AF65-F5344CB8AC3E}">
         <p14:creationId xmlns:p14="http://schemas.microsoft.com/office/powerpoint/2010/main" val="2935528160"/>
-      </p:ext>
-    </p:extLst>
-  </p:cSld>
-  <p:clrMapOvr>
-    <a:masterClrMapping/>
-  </p:clrMapOvr>
-</p:sld>
-</file>
-
-<file path=ppt/slides/slide9.xml><?xml version="1.0" encoding="utf-8"?>
-<p:sld xmlns:a="http://schemas.openxmlformats.org/drawingml/2006/main" xmlns:r="http://schemas.openxmlformats.org/officeDocument/2006/relationships" xmlns:p="http://schemas.openxmlformats.org/presentationml/2006/main">
-  <p:cSld>
-    <p:spTree>
-      <p:nvGrpSpPr>
-        <p:cNvPr id="1" name=""/>
-        <p:cNvGrpSpPr/>
-        <p:nvPr/>
-      </p:nvGrpSpPr>
-      <p:grpSpPr>
-        <a:xfrm>
-          <a:off x="0" y="0"/>
-          <a:ext cx="0" cy="0"/>
-          <a:chOff x="0" y="0"/>
-          <a:chExt cx="0" cy="0"/>
-        </a:xfrm>
-      </p:grpSpPr>
-      <p:pic>
-        <p:nvPicPr>
-          <p:cNvPr id="5" name="Picture 4">
-            <a:extLst>
-              <a:ext uri="{FF2B5EF4-FFF2-40B4-BE49-F238E27FC236}">
-                <a16:creationId xmlns:a16="http://schemas.microsoft.com/office/drawing/2014/main" id="{CA1FB5CE-713A-46BF-597E-904BBD6DB8DD}"/>
-              </a:ext>
-            </a:extLst>
-          </p:cNvPr>
-          <p:cNvPicPr>
-            <a:picLocks noChangeAspect="1"/>
-          </p:cNvPicPr>
-          <p:nvPr/>
-        </p:nvPicPr>
-        <p:blipFill>
-          <a:blip r:embed="rId2"/>
-          <a:stretch>
-            <a:fillRect/>
-          </a:stretch>
-        </p:blipFill>
-        <p:spPr>
-          <a:xfrm>
-            <a:off x="332783" y="4114800"/>
-            <a:ext cx="8259328" cy="2067213"/>
-          </a:xfrm>
-          <a:prstGeom prst="rect">
-            <a:avLst/>
-          </a:prstGeom>
-          <a:ln>
-            <a:solidFill>
-              <a:schemeClr val="tx1"/>
-            </a:solidFill>
-          </a:ln>
-        </p:spPr>
-      </p:pic>
-      <p:sp>
-        <p:nvSpPr>
-          <p:cNvPr id="6" name="TextBox 5">
-            <a:extLst>
-              <a:ext uri="{FF2B5EF4-FFF2-40B4-BE49-F238E27FC236}">
-                <a16:creationId xmlns:a16="http://schemas.microsoft.com/office/drawing/2014/main" id="{DB3B16B1-F4C9-7A1A-C96B-CC5DB07DB6B1}"/>
-              </a:ext>
-            </a:extLst>
-          </p:cNvPr>
-          <p:cNvSpPr txBox="1"/>
-          <p:nvPr/>
-        </p:nvSpPr>
-        <p:spPr>
-          <a:xfrm>
-            <a:off x="607017" y="152400"/>
-            <a:ext cx="7546383" cy="646331"/>
-          </a:xfrm>
-          <a:prstGeom prst="rect">
-            <a:avLst/>
-          </a:prstGeom>
-          <a:noFill/>
-        </p:spPr>
-        <p:txBody>
-          <a:bodyPr wrap="square" rtlCol="0">
-            <a:spAutoFit/>
-          </a:bodyPr>
-          <a:lstStyle/>
-          <a:p>
-            <a:r>
-              <a:rPr lang="en-US" sz="3600" dirty="0"/>
-              <a:t>Rubric for Scoring Presentations</a:t>
-            </a:r>
-          </a:p>
-        </p:txBody>
-      </p:sp>
-      <p:pic>
-        <p:nvPicPr>
-          <p:cNvPr id="8" name="Picture 7">
-            <a:extLst>
-              <a:ext uri="{FF2B5EF4-FFF2-40B4-BE49-F238E27FC236}">
-                <a16:creationId xmlns:a16="http://schemas.microsoft.com/office/drawing/2014/main" id="{1D5004C5-75AF-A030-5115-67EA33B5EF1A}"/>
-              </a:ext>
-            </a:extLst>
-          </p:cNvPr>
-          <p:cNvPicPr>
-            <a:picLocks noChangeAspect="1"/>
-          </p:cNvPicPr>
-          <p:nvPr/>
-        </p:nvPicPr>
-        <p:blipFill>
-          <a:blip r:embed="rId3"/>
-          <a:stretch>
-            <a:fillRect/>
-          </a:stretch>
-        </p:blipFill>
-        <p:spPr>
-          <a:xfrm>
-            <a:off x="332783" y="1524000"/>
-            <a:ext cx="7230484" cy="2219635"/>
-          </a:xfrm>
-          <a:prstGeom prst="rect">
-            <a:avLst/>
-          </a:prstGeom>
-          <a:ln>
-            <a:solidFill>
-              <a:schemeClr val="tx1"/>
-            </a:solidFill>
-          </a:ln>
-        </p:spPr>
-      </p:pic>
-    </p:spTree>
-    <p:extLst>
-      <p:ext uri="{BB962C8B-B14F-4D97-AF65-F5344CB8AC3E}">
-        <p14:creationId xmlns:p14="http://schemas.microsoft.com/office/powerpoint/2010/main" val="4044456901"/>
       </p:ext>
     </p:extLst>
   </p:cSld>
@@ -8903,12 +10867,6 @@
 </file>
 
 <file path=customXml/item1.xml><?xml version="1.0" encoding="utf-8"?>
-<p:properties xmlns:p="http://schemas.microsoft.com/office/2006/metadata/properties" xmlns:xsi="http://www.w3.org/2001/XMLSchema-instance" xmlns:pc="http://schemas.microsoft.com/office/infopath/2007/PartnerControls">
-  <documentManagement/>
-</p:properties>
-</file>
-
-<file path=customXml/item2.xml><?xml version="1.0" encoding="utf-8"?>
 <ct:contentTypeSchema xmlns:ct="http://schemas.microsoft.com/office/2006/metadata/contentType" xmlns:ma="http://schemas.microsoft.com/office/2006/metadata/properties/metaAttributes" ct:_="" ma:_="" ma:contentTypeName="Document" ma:contentTypeID="0x0101001570BCAAD2E4294F9443DCB038A55380" ma:contentTypeVersion="10" ma:contentTypeDescription="Create a new document." ma:contentTypeScope="" ma:versionID="84c2e02ee7a0dfaa743622fbac484332">
   <xsd:schema xmlns:xsd="http://www.w3.org/2001/XMLSchema" xmlns:xs="http://www.w3.org/2001/XMLSchema" xmlns:p="http://schemas.microsoft.com/office/2006/metadata/properties" xmlns:ns2="201674f6-2bdd-4f13-ba1e-424e4aa70473" targetNamespace="http://schemas.microsoft.com/office/2006/metadata/properties" ma:root="true" ma:fieldsID="0b220e6722f2c0d473d2d30e5cad202c" ns2:_="">
     <xsd:import namespace="201674f6-2bdd-4f13-ba1e-424e4aa70473"/>
@@ -9092,6 +11050,12 @@
 </ct:contentTypeSchema>
 </file>
 
+<file path=customXml/item2.xml><?xml version="1.0" encoding="utf-8"?>
+<p:properties xmlns:p="http://schemas.microsoft.com/office/2006/metadata/properties" xmlns:xsi="http://www.w3.org/2001/XMLSchema-instance" xmlns:pc="http://schemas.microsoft.com/office/infopath/2007/PartnerControls">
+  <documentManagement/>
+</p:properties>
+</file>
+
 <file path=customXml/item3.xml><?xml version="1.0" encoding="utf-8"?>
 <?mso-contentType ?>
 <FormTemplates xmlns="http://schemas.microsoft.com/sharepoint/v3/contenttype/forms">
@@ -9102,15 +11066,6 @@
 </file>
 
 <file path=customXml/itemProps1.xml><?xml version="1.0" encoding="utf-8"?>
-<ds:datastoreItem xmlns:ds="http://schemas.openxmlformats.org/officeDocument/2006/customXml" ds:itemID="{328C6DB0-E394-4716-8A88-640DCE32C470}">
-  <ds:schemaRefs>
-    <ds:schemaRef ds:uri="http://schemas.microsoft.com/office/2006/metadata/properties"/>
-    <ds:schemaRef ds:uri="http://schemas.microsoft.com/office/infopath/2007/PartnerControls"/>
-  </ds:schemaRefs>
-</ds:datastoreItem>
-</file>
-
-<file path=customXml/itemProps2.xml><?xml version="1.0" encoding="utf-8"?>
 <ds:datastoreItem xmlns:ds="http://schemas.openxmlformats.org/officeDocument/2006/customXml" ds:itemID="{88C3AD53-5499-47B7-8C35-C4D274E6F620}">
   <ds:schemaRefs>
     <ds:schemaRef ds:uri="http://schemas.microsoft.com/office/2006/metadata/contentType"/>
@@ -9128,6 +11083,15 @@
 </ds:datastoreItem>
 </file>
 
+<file path=customXml/itemProps2.xml><?xml version="1.0" encoding="utf-8"?>
+<ds:datastoreItem xmlns:ds="http://schemas.openxmlformats.org/officeDocument/2006/customXml" ds:itemID="{328C6DB0-E394-4716-8A88-640DCE32C470}">
+  <ds:schemaRefs>
+    <ds:schemaRef ds:uri="http://schemas.microsoft.com/office/2006/metadata/properties"/>
+    <ds:schemaRef ds:uri="http://schemas.microsoft.com/office/infopath/2007/PartnerControls"/>
+  </ds:schemaRefs>
+</ds:datastoreItem>
+</file>
+
 <file path=customXml/itemProps3.xml><?xml version="1.0" encoding="utf-8"?>
 <ds:datastoreItem xmlns:ds="http://schemas.openxmlformats.org/officeDocument/2006/customXml" ds:itemID="{631E615B-9BF8-44EF-B5F8-16FB7279F033}">
   <ds:schemaRefs>
